--- a/Exercise-7/Exercise-7_AJB.pptx
+++ b/Exercise-7/Exercise-7_AJB.pptx
@@ -8,7 +8,12 @@
     <p:sldId id="256" r:id="rId2"/>
     <p:sldId id="257" r:id="rId3"/>
     <p:sldId id="258" r:id="rId4"/>
-    <p:sldId id="261" r:id="rId5"/>
+    <p:sldId id="262" r:id="rId5"/>
+    <p:sldId id="264" r:id="rId6"/>
+    <p:sldId id="263" r:id="rId7"/>
+    <p:sldId id="265" r:id="rId8"/>
+    <p:sldId id="266" r:id="rId9"/>
+    <p:sldId id="261" r:id="rId10"/>
   </p:sldIdLst>
   <p:sldSz cx="12192000" cy="6858000"/>
   <p:notesSz cx="6858000" cy="9144000"/>
@@ -262,7 +267,7 @@
           <a:p>
             <a:fld id="{BFE8DED3-9F02-4D41-8872-E4871F0F6BC7}" type="datetimeFigureOut">
               <a:rPr lang="en-US" smtClean="0"/>
-              <a:t>4/11/2023</a:t>
+              <a:t>4/12/2023</a:t>
             </a:fld>
             <a:endParaRPr lang="en-US"/>
           </a:p>
@@ -460,7 +465,7 @@
           <a:p>
             <a:fld id="{BFE8DED3-9F02-4D41-8872-E4871F0F6BC7}" type="datetimeFigureOut">
               <a:rPr lang="en-US" smtClean="0"/>
-              <a:t>4/11/2023</a:t>
+              <a:t>4/12/2023</a:t>
             </a:fld>
             <a:endParaRPr lang="en-US"/>
           </a:p>
@@ -668,7 +673,7 @@
           <a:p>
             <a:fld id="{BFE8DED3-9F02-4D41-8872-E4871F0F6BC7}" type="datetimeFigureOut">
               <a:rPr lang="en-US" smtClean="0"/>
-              <a:t>4/11/2023</a:t>
+              <a:t>4/12/2023</a:t>
             </a:fld>
             <a:endParaRPr lang="en-US"/>
           </a:p>
@@ -866,7 +871,7 @@
           <a:p>
             <a:fld id="{BFE8DED3-9F02-4D41-8872-E4871F0F6BC7}" type="datetimeFigureOut">
               <a:rPr lang="en-US" smtClean="0"/>
-              <a:t>4/11/2023</a:t>
+              <a:t>4/12/2023</a:t>
             </a:fld>
             <a:endParaRPr lang="en-US"/>
           </a:p>
@@ -1141,7 +1146,7 @@
           <a:p>
             <a:fld id="{BFE8DED3-9F02-4D41-8872-E4871F0F6BC7}" type="datetimeFigureOut">
               <a:rPr lang="en-US" smtClean="0"/>
-              <a:t>4/11/2023</a:t>
+              <a:t>4/12/2023</a:t>
             </a:fld>
             <a:endParaRPr lang="en-US"/>
           </a:p>
@@ -1406,7 +1411,7 @@
           <a:p>
             <a:fld id="{BFE8DED3-9F02-4D41-8872-E4871F0F6BC7}" type="datetimeFigureOut">
               <a:rPr lang="en-US" smtClean="0"/>
-              <a:t>4/11/2023</a:t>
+              <a:t>4/12/2023</a:t>
             </a:fld>
             <a:endParaRPr lang="en-US"/>
           </a:p>
@@ -1818,7 +1823,7 @@
           <a:p>
             <a:fld id="{BFE8DED3-9F02-4D41-8872-E4871F0F6BC7}" type="datetimeFigureOut">
               <a:rPr lang="en-US" smtClean="0"/>
-              <a:t>4/11/2023</a:t>
+              <a:t>4/12/2023</a:t>
             </a:fld>
             <a:endParaRPr lang="en-US"/>
           </a:p>
@@ -1959,7 +1964,7 @@
           <a:p>
             <a:fld id="{BFE8DED3-9F02-4D41-8872-E4871F0F6BC7}" type="datetimeFigureOut">
               <a:rPr lang="en-US" smtClean="0"/>
-              <a:t>4/11/2023</a:t>
+              <a:t>4/12/2023</a:t>
             </a:fld>
             <a:endParaRPr lang="en-US"/>
           </a:p>
@@ -2072,7 +2077,7 @@
           <a:p>
             <a:fld id="{BFE8DED3-9F02-4D41-8872-E4871F0F6BC7}" type="datetimeFigureOut">
               <a:rPr lang="en-US" smtClean="0"/>
-              <a:t>4/11/2023</a:t>
+              <a:t>4/12/2023</a:t>
             </a:fld>
             <a:endParaRPr lang="en-US"/>
           </a:p>
@@ -2383,7 +2388,7 @@
           <a:p>
             <a:fld id="{BFE8DED3-9F02-4D41-8872-E4871F0F6BC7}" type="datetimeFigureOut">
               <a:rPr lang="en-US" smtClean="0"/>
-              <a:t>4/11/2023</a:t>
+              <a:t>4/12/2023</a:t>
             </a:fld>
             <a:endParaRPr lang="en-US"/>
           </a:p>
@@ -2671,7 +2676,7 @@
           <a:p>
             <a:fld id="{BFE8DED3-9F02-4D41-8872-E4871F0F6BC7}" type="datetimeFigureOut">
               <a:rPr lang="en-US" smtClean="0"/>
-              <a:t>4/11/2023</a:t>
+              <a:t>4/12/2023</a:t>
             </a:fld>
             <a:endParaRPr lang="en-US"/>
           </a:p>
@@ -2912,7 +2917,7 @@
           <a:p>
             <a:fld id="{BFE8DED3-9F02-4D41-8872-E4871F0F6BC7}" type="datetimeFigureOut">
               <a:rPr lang="en-US" smtClean="0"/>
-              <a:t>4/11/2023</a:t>
+              <a:t>4/12/2023</a:t>
             </a:fld>
             <a:endParaRPr lang="en-US"/>
           </a:p>
@@ -3357,7 +3362,7 @@
           <a:p>
             <a:r>
               <a:rPr lang="en-US" dirty="0"/>
-              <a:t>GIS Exercise #5</a:t>
+              <a:t>GIS Exercise #7</a:t>
             </a:r>
           </a:p>
         </p:txBody>
@@ -3456,8 +3461,21 @@
           <a:p>
             <a:r>
               <a:rPr lang="en-US" dirty="0"/>
-              <a:t>Exercise:</a:t>
-            </a:r>
+              <a:t>Exercise: Contiguity Weights in Python using </a:t>
+            </a:r>
+            <a:r>
+              <a:rPr lang="en-US" dirty="0" err="1"/>
+              <a:t>GeoPandas</a:t>
+            </a:r>
+            <a:r>
+              <a:rPr lang="en-US" dirty="0"/>
+              <a:t> and </a:t>
+            </a:r>
+            <a:r>
+              <a:rPr lang="en-US" dirty="0" err="1"/>
+              <a:t>libpysal</a:t>
+            </a:r>
+            <a:endParaRPr lang="en-US" dirty="0"/>
           </a:p>
         </p:txBody>
       </p:sp>
@@ -3479,10 +3497,94 @@
         </p:nvSpPr>
         <p:spPr/>
         <p:txBody>
-          <a:bodyPr/>
-          <a:lstStyle/>
-          <a:p>
+          <a:bodyPr>
+            <a:normAutofit fontScale="55000" lnSpcReduction="20000"/>
+          </a:bodyPr>
+          <a:lstStyle/>
+          <a:p>
+            <a:pPr marL="0" indent="0">
+              <a:buNone/>
+            </a:pPr>
+            <a:r>
+              <a:rPr lang="en-US" dirty="0"/>
+              <a:t>Contiguity means that two spatial units share a common border of non-zero length. Operationally, we can further distinguish between a rook and a queen criterion of contiguity, in analogy to the moves allowed for the such-named pieces on a chess board.</a:t>
+            </a:r>
+          </a:p>
+          <a:p>
+            <a:pPr marL="0" indent="0">
+              <a:buNone/>
+            </a:pPr>
             <a:endParaRPr lang="en-US" dirty="0"/>
+          </a:p>
+          <a:p>
+            <a:pPr marL="0" indent="0">
+              <a:buNone/>
+            </a:pPr>
+            <a:r>
+              <a:rPr lang="en-US" dirty="0"/>
+              <a:t>The </a:t>
+            </a:r>
+            <a:r>
+              <a:rPr lang="en-US" b="1" dirty="0"/>
+              <a:t>rook criterion</a:t>
+            </a:r>
+            <a:r>
+              <a:rPr lang="en-US" dirty="0"/>
+              <a:t> defines neighbors by the existence of a common edge between two spatial units. The </a:t>
+            </a:r>
+            <a:r>
+              <a:rPr lang="en-US" b="1" dirty="0"/>
+              <a:t>queen criterion</a:t>
+            </a:r>
+            <a:r>
+              <a:rPr lang="en-US" dirty="0"/>
+              <a:t> is somewhat more encompassing and defines neighbors as spatial units sharing a common edge or a common vertex. Therefore, the number of neighbors according to the queen criterion will always be at least as large as for the rook criterion.</a:t>
+            </a:r>
+          </a:p>
+          <a:p>
+            <a:pPr marL="0" indent="0">
+              <a:buNone/>
+            </a:pPr>
+            <a:endParaRPr lang="en-US" dirty="0"/>
+          </a:p>
+          <a:p>
+            <a:pPr marL="0" indent="0">
+              <a:buNone/>
+            </a:pPr>
+            <a:r>
+              <a:rPr lang="en-US" dirty="0"/>
+              <a:t>In practice, the construction of the spatial weights from the geometry of the data cannot be done by visual inspection or manual calculation, except in the most trivial of situations. To assess whether two polygons are contiguous requires the use of explicit spatial data structures to deal with the location and arrangement of the polygons.</a:t>
+            </a:r>
+          </a:p>
+          <a:p>
+            <a:pPr marL="0" indent="0">
+              <a:buNone/>
+            </a:pPr>
+            <a:endParaRPr lang="en-US" dirty="0"/>
+          </a:p>
+          <a:p>
+            <a:pPr marL="0" indent="0">
+              <a:buNone/>
+            </a:pPr>
+            <a:r>
+              <a:rPr lang="en-US" dirty="0"/>
+              <a:t>It is important to keep in mind that the spatial weights are critically dependent on the quality of the spatial data source (GIS) from which they are constructed. Problems with the topology in the GIS (e.g., slivers) will result in inaccuracies for the neighbor relations included in the spatial weights. In practice, it is essential to check the characteristics of the weights for any evidence of problems. When problems are detected, the solution is to go back to the GIS and fix or clean the topology of the data set.</a:t>
+            </a:r>
+          </a:p>
+          <a:p>
+            <a:pPr marL="0" indent="0">
+              <a:buNone/>
+            </a:pPr>
+            <a:endParaRPr lang="en-US" dirty="0"/>
+          </a:p>
+          <a:p>
+            <a:pPr marL="0" indent="0">
+              <a:buNone/>
+            </a:pPr>
+            <a:r>
+              <a:rPr lang="en-US" dirty="0"/>
+              <a:t>In this exercise, we derive contiguity weights and create rook and queen contiguity networks for display.</a:t>
+            </a:r>
           </a:p>
         </p:txBody>
       </p:sp>
@@ -3613,7 +3715,7 @@
           <a:lstStyle/>
           <a:p>
             <a:r>
-              <a:rPr lang="en-US" sz="4800" kern="1200">
+              <a:rPr lang="en-US" sz="4800" kern="1200" dirty="0">
                 <a:solidFill>
                   <a:schemeClr val="tx1"/>
                 </a:solidFill>
@@ -3621,11 +3723,41 @@
                 <a:ea typeface="+mj-ea"/>
                 <a:cs typeface="+mj-cs"/>
               </a:rPr>
-              <a:t>Step 1: Import world country boundaries</a:t>
-            </a:r>
-          </a:p>
-        </p:txBody>
-      </p:sp>
+              <a:t>Step 1: Import Mexico State boundaries</a:t>
+            </a:r>
+          </a:p>
+        </p:txBody>
+      </p:sp>
+      <p:pic>
+        <p:nvPicPr>
+          <p:cNvPr id="4" name="Picture 3">
+            <a:extLst>
+              <a:ext uri="{FF2B5EF4-FFF2-40B4-BE49-F238E27FC236}">
+                <a16:creationId xmlns:a16="http://schemas.microsoft.com/office/drawing/2014/main" id="{0D17D597-996A-E287-26BC-7D3B386260D0}"/>
+              </a:ext>
+            </a:extLst>
+          </p:cNvPr>
+          <p:cNvPicPr>
+            <a:picLocks noChangeAspect="1"/>
+          </p:cNvPicPr>
+          <p:nvPr/>
+        </p:nvPicPr>
+        <p:blipFill>
+          <a:blip r:embed="rId2"/>
+          <a:stretch>
+            <a:fillRect/>
+          </a:stretch>
+        </p:blipFill>
+        <p:spPr>
+          <a:xfrm>
+            <a:off x="246340" y="1433997"/>
+            <a:ext cx="11696272" cy="4517030"/>
+          </a:xfrm>
+          <a:prstGeom prst="rect">
+            <a:avLst/>
+          </a:prstGeom>
+        </p:spPr>
+      </p:pic>
     </p:spTree>
     <p:extLst>
       <p:ext uri="{BB962C8B-B14F-4D97-AF65-F5344CB8AC3E}">
@@ -3640,6 +3772,2226 @@
 </file>
 
 <file path=ppt/slides/slide4.xml><?xml version="1.0" encoding="utf-8"?>
+<p:sld xmlns:a="http://schemas.openxmlformats.org/drawingml/2006/main" xmlns:r="http://schemas.openxmlformats.org/officeDocument/2006/relationships" xmlns:p="http://schemas.openxmlformats.org/presentationml/2006/main">
+  <p:cSld>
+    <p:bg>
+      <p:bgPr>
+        <a:solidFill>
+          <a:schemeClr val="bg1"/>
+        </a:solidFill>
+        <a:effectLst/>
+      </p:bgPr>
+    </p:bg>
+    <p:spTree>
+      <p:nvGrpSpPr>
+        <p:cNvPr id="1" name=""/>
+        <p:cNvGrpSpPr/>
+        <p:nvPr/>
+      </p:nvGrpSpPr>
+      <p:grpSpPr>
+        <a:xfrm>
+          <a:off x="0" y="0"/>
+          <a:ext cx="0" cy="0"/>
+          <a:chOff x="0" y="0"/>
+          <a:chExt cx="0" cy="0"/>
+        </a:xfrm>
+      </p:grpSpPr>
+      <p:pic>
+        <p:nvPicPr>
+          <p:cNvPr id="5" name="Content Placeholder 4">
+            <a:extLst>
+              <a:ext uri="{FF2B5EF4-FFF2-40B4-BE49-F238E27FC236}">
+                <a16:creationId xmlns:a16="http://schemas.microsoft.com/office/drawing/2014/main" id="{484E613E-A993-A8D6-96BB-02BED1121CCC}"/>
+              </a:ext>
+            </a:extLst>
+          </p:cNvPr>
+          <p:cNvPicPr>
+            <a:picLocks noGrp="1" noChangeAspect="1"/>
+          </p:cNvPicPr>
+          <p:nvPr>
+            <p:ph idx="1"/>
+          </p:nvPr>
+        </p:nvPicPr>
+        <p:blipFill rotWithShape="1">
+          <a:blip r:embed="rId2">
+            <a:extLst>
+              <a:ext uri="{28A0092B-C50C-407E-A947-70E740481C1C}">
+                <a14:useLocalDpi xmlns:a14="http://schemas.microsoft.com/office/drawing/2010/main" val="0"/>
+              </a:ext>
+            </a:extLst>
+          </a:blip>
+          <a:srcRect l="21874" r="6156" b="12741"/>
+          <a:stretch/>
+        </p:blipFill>
+        <p:spPr>
+          <a:xfrm>
+            <a:off x="3250346" y="-874295"/>
+            <a:ext cx="9871422" cy="5984172"/>
+          </a:xfrm>
+          <a:prstGeom prst="rect">
+            <a:avLst/>
+          </a:prstGeom>
+        </p:spPr>
+      </p:pic>
+      <p:sp>
+        <p:nvSpPr>
+          <p:cNvPr id="10" name="Rectangle 9">
+            <a:extLst>
+              <a:ext uri="{FF2B5EF4-FFF2-40B4-BE49-F238E27FC236}">
+                <a16:creationId xmlns:a16="http://schemas.microsoft.com/office/drawing/2014/main" id="{37C89E4B-3C9F-44B9-8B86-D9E3D112D8EC}"/>
+              </a:ext>
+              <a:ext uri="{C183D7F6-B498-43B3-948B-1728B52AA6E4}">
+                <adec:decorative xmlns:adec="http://schemas.microsoft.com/office/drawing/2017/decorative" val="1"/>
+              </a:ext>
+            </a:extLst>
+          </p:cNvPr>
+          <p:cNvSpPr>
+            <a:spLocks noGrp="1" noRot="1" noChangeAspect="1" noMove="1" noResize="1" noEditPoints="1" noAdjustHandles="1" noChangeArrowheads="1" noChangeShapeType="1" noTextEdit="1"/>
+          </p:cNvSpPr>
+          <p:nvPr>
+            <p:extLst>
+              <p:ext uri="{386F3935-93C4-4BCD-93E2-E3B085C9AB24}">
+                <p16:designElem xmlns:p16="http://schemas.microsoft.com/office/powerpoint/2015/main" val="1"/>
+              </p:ext>
+            </p:extLst>
+          </p:nvPr>
+        </p:nvSpPr>
+        <p:spPr>
+          <a:xfrm>
+            <a:off x="0" y="5320142"/>
+            <a:ext cx="12192000" cy="736551"/>
+          </a:xfrm>
+          <a:prstGeom prst="rect">
+            <a:avLst/>
+          </a:prstGeom>
+          <a:solidFill>
+            <a:schemeClr val="bg1">
+              <a:alpha val="93000"/>
+            </a:schemeClr>
+          </a:solidFill>
+          <a:ln>
+            <a:noFill/>
+          </a:ln>
+        </p:spPr>
+        <p:style>
+          <a:lnRef idx="2">
+            <a:schemeClr val="accent1">
+              <a:shade val="50000"/>
+            </a:schemeClr>
+          </a:lnRef>
+          <a:fillRef idx="1">
+            <a:schemeClr val="accent1"/>
+          </a:fillRef>
+          <a:effectRef idx="0">
+            <a:schemeClr val="accent1"/>
+          </a:effectRef>
+          <a:fontRef idx="minor">
+            <a:schemeClr val="lt1"/>
+          </a:fontRef>
+        </p:style>
+        <p:txBody>
+          <a:bodyPr rtlCol="0" anchor="ctr"/>
+          <a:lstStyle/>
+          <a:p>
+            <a:pPr algn="ctr"/>
+            <a:endParaRPr lang="en-US"/>
+          </a:p>
+        </p:txBody>
+      </p:sp>
+      <p:sp>
+        <p:nvSpPr>
+          <p:cNvPr id="2" name="Title 1">
+            <a:extLst>
+              <a:ext uri="{FF2B5EF4-FFF2-40B4-BE49-F238E27FC236}">
+                <a16:creationId xmlns:a16="http://schemas.microsoft.com/office/drawing/2014/main" id="{4FD43499-563B-D1CB-52A0-59A1F3B9BFEE}"/>
+              </a:ext>
+            </a:extLst>
+          </p:cNvPr>
+          <p:cNvSpPr>
+            <a:spLocks noGrp="1"/>
+          </p:cNvSpPr>
+          <p:nvPr>
+            <p:ph type="title"/>
+          </p:nvPr>
+        </p:nvSpPr>
+        <p:spPr>
+          <a:xfrm>
+            <a:off x="662188" y="5422868"/>
+            <a:ext cx="7429100" cy="744836"/>
+          </a:xfrm>
+        </p:spPr>
+        <p:txBody>
+          <a:bodyPr vert="horz" lIns="91440" tIns="45720" rIns="91440" bIns="45720" rtlCol="0" anchor="ctr">
+            <a:normAutofit/>
+          </a:bodyPr>
+          <a:lstStyle/>
+          <a:p>
+            <a:pPr algn="ctr"/>
+            <a:r>
+              <a:rPr lang="en-US" sz="3600" dirty="0">
+                <a:solidFill>
+                  <a:schemeClr val="tx1">
+                    <a:lumMod val="85000"/>
+                    <a:lumOff val="15000"/>
+                  </a:schemeClr>
+                </a:solidFill>
+              </a:rPr>
+              <a:t>Step 2a: Create Rook Network Map</a:t>
+            </a:r>
+          </a:p>
+        </p:txBody>
+      </p:sp>
+      <p:cxnSp>
+        <p:nvCxnSpPr>
+          <p:cNvPr id="12" name="Straight Connector 11">
+            <a:extLst>
+              <a:ext uri="{FF2B5EF4-FFF2-40B4-BE49-F238E27FC236}">
+                <a16:creationId xmlns:a16="http://schemas.microsoft.com/office/drawing/2014/main" id="{AA2EAA10-076F-46BD-8F0F-B9A2FB77A85C}"/>
+              </a:ext>
+              <a:ext uri="{C183D7F6-B498-43B3-948B-1728B52AA6E4}">
+                <adec:decorative xmlns:adec="http://schemas.microsoft.com/office/drawing/2017/decorative" val="1"/>
+              </a:ext>
+            </a:extLst>
+          </p:cNvPr>
+          <p:cNvCxnSpPr>
+            <a:cxnSpLocks noGrp="1" noRot="1" noChangeAspect="1" noMove="1" noResize="1" noEditPoints="1" noAdjustHandles="1" noChangeArrowheads="1" noChangeShapeType="1"/>
+          </p:cNvCxnSpPr>
+          <p:nvPr>
+            <p:extLst>
+              <p:ext uri="{386F3935-93C4-4BCD-93E2-E3B085C9AB24}">
+                <p16:designElem xmlns:p16="http://schemas.microsoft.com/office/powerpoint/2015/main" val="1"/>
+              </p:ext>
+            </p:extLst>
+          </p:nvPr>
+        </p:nvCxnSpPr>
+        <p:spPr>
+          <a:xfrm>
+            <a:off x="0" y="5241983"/>
+            <a:ext cx="12192000" cy="0"/>
+          </a:xfrm>
+          <a:prstGeom prst="line">
+            <a:avLst/>
+          </a:prstGeom>
+          <a:ln w="41275">
+            <a:solidFill>
+              <a:schemeClr val="bg1">
+                <a:alpha val="90000"/>
+              </a:schemeClr>
+            </a:solidFill>
+          </a:ln>
+        </p:spPr>
+        <p:style>
+          <a:lnRef idx="1">
+            <a:schemeClr val="accent1"/>
+          </a:lnRef>
+          <a:fillRef idx="0">
+            <a:schemeClr val="accent1"/>
+          </a:fillRef>
+          <a:effectRef idx="0">
+            <a:schemeClr val="accent1"/>
+          </a:effectRef>
+          <a:fontRef idx="minor">
+            <a:schemeClr val="tx1"/>
+          </a:fontRef>
+        </p:style>
+      </p:cxnSp>
+      <p:cxnSp>
+        <p:nvCxnSpPr>
+          <p:cNvPr id="14" name="Straight Connector 13">
+            <a:extLst>
+              <a:ext uri="{FF2B5EF4-FFF2-40B4-BE49-F238E27FC236}">
+                <a16:creationId xmlns:a16="http://schemas.microsoft.com/office/drawing/2014/main" id="{D891E407-403B-4764-86C9-33A56D3BCAA3}"/>
+              </a:ext>
+              <a:ext uri="{C183D7F6-B498-43B3-948B-1728B52AA6E4}">
+                <adec:decorative xmlns:adec="http://schemas.microsoft.com/office/drawing/2017/decorative" val="1"/>
+              </a:ext>
+            </a:extLst>
+          </p:cNvPr>
+          <p:cNvCxnSpPr>
+            <a:cxnSpLocks noGrp="1" noRot="1" noChangeAspect="1" noMove="1" noResize="1" noEditPoints="1" noAdjustHandles="1" noChangeArrowheads="1" noChangeShapeType="1"/>
+          </p:cNvCxnSpPr>
+          <p:nvPr>
+            <p:extLst>
+              <p:ext uri="{386F3935-93C4-4BCD-93E2-E3B085C9AB24}">
+                <p16:designElem xmlns:p16="http://schemas.microsoft.com/office/powerpoint/2015/main" val="1"/>
+              </p:ext>
+            </p:extLst>
+          </p:nvPr>
+        </p:nvCxnSpPr>
+        <p:spPr>
+          <a:xfrm>
+            <a:off x="0" y="6134852"/>
+            <a:ext cx="12192000" cy="0"/>
+          </a:xfrm>
+          <a:prstGeom prst="line">
+            <a:avLst/>
+          </a:prstGeom>
+          <a:ln w="41275">
+            <a:solidFill>
+              <a:schemeClr val="bg1">
+                <a:alpha val="90000"/>
+              </a:schemeClr>
+            </a:solidFill>
+          </a:ln>
+        </p:spPr>
+        <p:style>
+          <a:lnRef idx="1">
+            <a:schemeClr val="accent1"/>
+          </a:lnRef>
+          <a:fillRef idx="0">
+            <a:schemeClr val="accent1"/>
+          </a:fillRef>
+          <a:effectRef idx="0">
+            <a:schemeClr val="accent1"/>
+          </a:effectRef>
+          <a:fontRef idx="minor">
+            <a:schemeClr val="tx1"/>
+          </a:fontRef>
+        </p:style>
+      </p:cxnSp>
+      <p:pic>
+        <p:nvPicPr>
+          <p:cNvPr id="13" name="Picture 12">
+            <a:extLst>
+              <a:ext uri="{FF2B5EF4-FFF2-40B4-BE49-F238E27FC236}">
+                <a16:creationId xmlns:a16="http://schemas.microsoft.com/office/drawing/2014/main" id="{43986E96-5C9B-F0DC-C197-1F713BD96B1B}"/>
+              </a:ext>
+            </a:extLst>
+          </p:cNvPr>
+          <p:cNvPicPr>
+            <a:picLocks noChangeAspect="1"/>
+          </p:cNvPicPr>
+          <p:nvPr/>
+        </p:nvPicPr>
+        <p:blipFill>
+          <a:blip r:embed="rId3"/>
+          <a:stretch>
+            <a:fillRect/>
+          </a:stretch>
+        </p:blipFill>
+        <p:spPr>
+          <a:xfrm>
+            <a:off x="566435" y="3291505"/>
+            <a:ext cx="4896533" cy="1686160"/>
+          </a:xfrm>
+          <a:prstGeom prst="rect">
+            <a:avLst/>
+          </a:prstGeom>
+          <a:ln>
+            <a:solidFill>
+              <a:schemeClr val="tx1"/>
+            </a:solidFill>
+          </a:ln>
+        </p:spPr>
+      </p:pic>
+    </p:spTree>
+    <p:extLst>
+      <p:ext uri="{BB962C8B-B14F-4D97-AF65-F5344CB8AC3E}">
+        <p14:creationId xmlns:p14="http://schemas.microsoft.com/office/powerpoint/2010/main" val="4147868023"/>
+      </p:ext>
+    </p:extLst>
+  </p:cSld>
+  <p:clrMapOvr>
+    <a:masterClrMapping/>
+  </p:clrMapOvr>
+</p:sld>
+</file>
+
+<file path=ppt/slides/slide5.xml><?xml version="1.0" encoding="utf-8"?>
+<p:sld xmlns:a="http://schemas.openxmlformats.org/drawingml/2006/main" xmlns:r="http://schemas.openxmlformats.org/officeDocument/2006/relationships" xmlns:p="http://schemas.openxmlformats.org/presentationml/2006/main">
+  <p:cSld>
+    <p:bg>
+      <p:bgPr>
+        <a:solidFill>
+          <a:schemeClr val="bg1"/>
+        </a:solidFill>
+        <a:effectLst/>
+      </p:bgPr>
+    </p:bg>
+    <p:spTree>
+      <p:nvGrpSpPr>
+        <p:cNvPr id="1" name=""/>
+        <p:cNvGrpSpPr/>
+        <p:nvPr/>
+      </p:nvGrpSpPr>
+      <p:grpSpPr>
+        <a:xfrm>
+          <a:off x="0" y="0"/>
+          <a:ext cx="0" cy="0"/>
+          <a:chOff x="0" y="0"/>
+          <a:chExt cx="0" cy="0"/>
+        </a:xfrm>
+      </p:grpSpPr>
+      <p:sp useBgFill="1">
+        <p:nvSpPr>
+          <p:cNvPr id="15" name="Rectangle 14">
+            <a:extLst>
+              <a:ext uri="{FF2B5EF4-FFF2-40B4-BE49-F238E27FC236}">
+                <a16:creationId xmlns:a16="http://schemas.microsoft.com/office/drawing/2014/main" id="{2151139A-886F-4B97-8815-729AD3831BBD}"/>
+              </a:ext>
+              <a:ext uri="{C183D7F6-B498-43B3-948B-1728B52AA6E4}">
+                <adec:decorative xmlns:adec="http://schemas.microsoft.com/office/drawing/2017/decorative" val="1"/>
+              </a:ext>
+            </a:extLst>
+          </p:cNvPr>
+          <p:cNvSpPr>
+            <a:spLocks noGrp="1" noRot="1" noChangeAspect="1" noMove="1" noResize="1" noEditPoints="1" noAdjustHandles="1" noChangeArrowheads="1" noChangeShapeType="1" noTextEdit="1"/>
+          </p:cNvSpPr>
+          <p:nvPr>
+            <p:extLst>
+              <p:ext uri="{386F3935-93C4-4BCD-93E2-E3B085C9AB24}">
+                <p16:designElem xmlns:p16="http://schemas.microsoft.com/office/powerpoint/2015/main" val="1"/>
+              </p:ext>
+            </p:extLst>
+          </p:nvPr>
+        </p:nvSpPr>
+        <p:spPr>
+          <a:xfrm>
+            <a:off x="0" y="0"/>
+            <a:ext cx="12192000" cy="6858000"/>
+          </a:xfrm>
+          <a:prstGeom prst="rect">
+            <a:avLst/>
+          </a:prstGeom>
+          <a:ln w="12700" cap="flat" cmpd="sng" algn="ctr">
+            <a:noFill/>
+            <a:prstDash val="solid"/>
+            <a:miter lim="800000"/>
+          </a:ln>
+          <a:effectLst/>
+          <a:extLst>
+            <a:ext uri="{91240B29-F687-4F45-9708-019B960494DF}">
+              <a14:hiddenLine xmlns:a14="http://schemas.microsoft.com/office/drawing/2010/main" w="12700" cap="flat" cmpd="sng" algn="ctr">
+                <a:solidFill>
+                  <a:schemeClr val="accent1">
+                    <a:shade val="50000"/>
+                  </a:schemeClr>
+                </a:solidFill>
+                <a:prstDash val="solid"/>
+                <a:miter lim="800000"/>
+              </a14:hiddenLine>
+            </a:ext>
+          </a:extLst>
+        </p:spPr>
+        <p:style>
+          <a:lnRef idx="2">
+            <a:schemeClr val="accent1">
+              <a:shade val="50000"/>
+            </a:schemeClr>
+          </a:lnRef>
+          <a:fillRef idx="1">
+            <a:schemeClr val="accent1"/>
+          </a:fillRef>
+          <a:effectRef idx="0">
+            <a:schemeClr val="accent1"/>
+          </a:effectRef>
+          <a:fontRef idx="minor">
+            <a:schemeClr val="lt1"/>
+          </a:fontRef>
+        </p:style>
+        <p:txBody>
+          <a:bodyPr rtlCol="0" anchor="ctr"/>
+          <a:lstStyle/>
+          <a:p>
+            <a:pPr algn="ctr"/>
+            <a:endParaRPr lang="en-US" sz="2000"/>
+          </a:p>
+        </p:txBody>
+      </p:sp>
+      <p:sp>
+        <p:nvSpPr>
+          <p:cNvPr id="17" name="Rectangle 16">
+            <a:extLst>
+              <a:ext uri="{FF2B5EF4-FFF2-40B4-BE49-F238E27FC236}">
+                <a16:creationId xmlns:a16="http://schemas.microsoft.com/office/drawing/2014/main" id="{5428AC11-BFDF-42EF-80FF-717BBF909067}"/>
+              </a:ext>
+              <a:ext uri="{C183D7F6-B498-43B3-948B-1728B52AA6E4}">
+                <adec:decorative xmlns:adec="http://schemas.microsoft.com/office/drawing/2017/decorative" val="1"/>
+              </a:ext>
+            </a:extLst>
+          </p:cNvPr>
+          <p:cNvSpPr>
+            <a:spLocks noGrp="1" noRot="1" noChangeAspect="1" noMove="1" noResize="1" noEditPoints="1" noAdjustHandles="1" noChangeArrowheads="1" noChangeShapeType="1" noTextEdit="1"/>
+          </p:cNvSpPr>
+          <p:nvPr>
+            <p:extLst>
+              <p:ext uri="{386F3935-93C4-4BCD-93E2-E3B085C9AB24}">
+                <p16:designElem xmlns:p16="http://schemas.microsoft.com/office/powerpoint/2015/main" val="1"/>
+              </p:ext>
+            </p:extLst>
+          </p:nvPr>
+        </p:nvSpPr>
+        <p:spPr>
+          <a:xfrm rot="5400000" flipH="1">
+            <a:off x="-1408628" y="1408629"/>
+            <a:ext cx="6858000" cy="4040744"/>
+          </a:xfrm>
+          <a:prstGeom prst="rect">
+            <a:avLst/>
+          </a:prstGeom>
+          <a:gradFill>
+            <a:gsLst>
+              <a:gs pos="11000">
+                <a:srgbClr val="000000"/>
+              </a:gs>
+              <a:gs pos="100000">
+                <a:schemeClr val="accent1">
+                  <a:lumMod val="75000"/>
+                </a:schemeClr>
+              </a:gs>
+            </a:gsLst>
+            <a:lin ang="18600000" scaled="0"/>
+          </a:gradFill>
+          <a:ln>
+            <a:noFill/>
+          </a:ln>
+        </p:spPr>
+        <p:style>
+          <a:lnRef idx="2">
+            <a:schemeClr val="accent1">
+              <a:shade val="50000"/>
+            </a:schemeClr>
+          </a:lnRef>
+          <a:fillRef idx="1">
+            <a:schemeClr val="accent1"/>
+          </a:fillRef>
+          <a:effectRef idx="0">
+            <a:schemeClr val="accent1"/>
+          </a:effectRef>
+          <a:fontRef idx="minor">
+            <a:schemeClr val="lt1"/>
+          </a:fontRef>
+        </p:style>
+        <p:txBody>
+          <a:bodyPr rtlCol="0" anchor="ctr"/>
+          <a:lstStyle/>
+          <a:p>
+            <a:pPr algn="ctr"/>
+            <a:endParaRPr lang="en-US" dirty="0"/>
+          </a:p>
+        </p:txBody>
+      </p:sp>
+      <p:sp>
+        <p:nvSpPr>
+          <p:cNvPr id="19" name="Rectangle 18">
+            <a:extLst>
+              <a:ext uri="{FF2B5EF4-FFF2-40B4-BE49-F238E27FC236}">
+                <a16:creationId xmlns:a16="http://schemas.microsoft.com/office/drawing/2014/main" id="{2CC56AF6-38E4-490B-8E2B-1A1037B4EDD4}"/>
+              </a:ext>
+              <a:ext uri="{C183D7F6-B498-43B3-948B-1728B52AA6E4}">
+                <adec:decorative xmlns:adec="http://schemas.microsoft.com/office/drawing/2017/decorative" val="1"/>
+              </a:ext>
+            </a:extLst>
+          </p:cNvPr>
+          <p:cNvSpPr>
+            <a:spLocks noGrp="1" noRot="1" noChangeAspect="1" noMove="1" noResize="1" noEditPoints="1" noAdjustHandles="1" noChangeArrowheads="1" noChangeShapeType="1" noTextEdit="1"/>
+          </p:cNvSpPr>
+          <p:nvPr>
+            <p:extLst>
+              <p:ext uri="{386F3935-93C4-4BCD-93E2-E3B085C9AB24}">
+                <p16:designElem xmlns:p16="http://schemas.microsoft.com/office/powerpoint/2015/main" val="1"/>
+              </p:ext>
+            </p:extLst>
+          </p:nvPr>
+        </p:nvSpPr>
+        <p:spPr>
+          <a:xfrm rot="16200000">
+            <a:off x="-159565" y="2659832"/>
+            <a:ext cx="4355594" cy="4040742"/>
+          </a:xfrm>
+          <a:prstGeom prst="rect">
+            <a:avLst/>
+          </a:prstGeom>
+          <a:gradFill>
+            <a:gsLst>
+              <a:gs pos="0">
+                <a:schemeClr val="accent1">
+                  <a:alpha val="50000"/>
+                </a:schemeClr>
+              </a:gs>
+              <a:gs pos="100000">
+                <a:schemeClr val="accent1">
+                  <a:lumMod val="50000"/>
+                  <a:alpha val="0"/>
+                </a:schemeClr>
+              </a:gs>
+            </a:gsLst>
+            <a:lin ang="11400000" scaled="0"/>
+          </a:gradFill>
+          <a:ln>
+            <a:noFill/>
+          </a:ln>
+        </p:spPr>
+        <p:style>
+          <a:lnRef idx="2">
+            <a:schemeClr val="accent1">
+              <a:shade val="50000"/>
+            </a:schemeClr>
+          </a:lnRef>
+          <a:fillRef idx="1">
+            <a:schemeClr val="accent1"/>
+          </a:fillRef>
+          <a:effectRef idx="0">
+            <a:schemeClr val="accent1"/>
+          </a:effectRef>
+          <a:fontRef idx="minor">
+            <a:schemeClr val="lt1"/>
+          </a:fontRef>
+        </p:style>
+        <p:txBody>
+          <a:bodyPr rtlCol="0" anchor="ctr"/>
+          <a:lstStyle/>
+          <a:p>
+            <a:pPr algn="ctr"/>
+            <a:endParaRPr lang="en-US"/>
+          </a:p>
+        </p:txBody>
+      </p:sp>
+      <p:sp>
+        <p:nvSpPr>
+          <p:cNvPr id="21" name="Rectangle 20">
+            <a:extLst>
+              <a:ext uri="{FF2B5EF4-FFF2-40B4-BE49-F238E27FC236}">
+                <a16:creationId xmlns:a16="http://schemas.microsoft.com/office/drawing/2014/main" id="{2339A6F5-AD6A-4D80-8AD9-6290D13AC49F}"/>
+              </a:ext>
+              <a:ext uri="{C183D7F6-B498-43B3-948B-1728B52AA6E4}">
+                <adec:decorative xmlns:adec="http://schemas.microsoft.com/office/drawing/2017/decorative" val="1"/>
+              </a:ext>
+            </a:extLst>
+          </p:cNvPr>
+          <p:cNvSpPr>
+            <a:spLocks noGrp="1" noRot="1" noChangeAspect="1" noMove="1" noResize="1" noEditPoints="1" noAdjustHandles="1" noChangeArrowheads="1" noChangeShapeType="1" noTextEdit="1"/>
+          </p:cNvSpPr>
+          <p:nvPr>
+            <p:extLst>
+              <p:ext uri="{386F3935-93C4-4BCD-93E2-E3B085C9AB24}">
+                <p16:designElem xmlns:p16="http://schemas.microsoft.com/office/powerpoint/2015/main" val="1"/>
+              </p:ext>
+            </p:extLst>
+          </p:nvPr>
+        </p:nvSpPr>
+        <p:spPr>
+          <a:xfrm rot="16200000" flipH="1">
+            <a:off x="-1180882" y="1638513"/>
+            <a:ext cx="6857572" cy="3581401"/>
+          </a:xfrm>
+          <a:prstGeom prst="rect">
+            <a:avLst/>
+          </a:prstGeom>
+          <a:gradFill>
+            <a:gsLst>
+              <a:gs pos="0">
+                <a:srgbClr val="000000">
+                  <a:alpha val="61000"/>
+                </a:srgbClr>
+              </a:gs>
+              <a:gs pos="95000">
+                <a:schemeClr val="accent5">
+                  <a:alpha val="0"/>
+                </a:schemeClr>
+              </a:gs>
+            </a:gsLst>
+            <a:lin ang="13800000" scaled="0"/>
+          </a:gradFill>
+          <a:ln>
+            <a:noFill/>
+          </a:ln>
+        </p:spPr>
+        <p:style>
+          <a:lnRef idx="2">
+            <a:schemeClr val="accent1">
+              <a:shade val="50000"/>
+            </a:schemeClr>
+          </a:lnRef>
+          <a:fillRef idx="1">
+            <a:schemeClr val="accent1"/>
+          </a:fillRef>
+          <a:effectRef idx="0">
+            <a:schemeClr val="accent1"/>
+          </a:effectRef>
+          <a:fontRef idx="minor">
+            <a:schemeClr val="lt1"/>
+          </a:fontRef>
+        </p:style>
+        <p:txBody>
+          <a:bodyPr rtlCol="0" anchor="ctr"/>
+          <a:lstStyle/>
+          <a:p>
+            <a:pPr algn="ctr"/>
+            <a:endParaRPr lang="en-US" dirty="0"/>
+          </a:p>
+        </p:txBody>
+      </p:sp>
+      <p:sp>
+        <p:nvSpPr>
+          <p:cNvPr id="2" name="Title 1">
+            <a:extLst>
+              <a:ext uri="{FF2B5EF4-FFF2-40B4-BE49-F238E27FC236}">
+                <a16:creationId xmlns:a16="http://schemas.microsoft.com/office/drawing/2014/main" id="{8338B02A-0AB8-8622-8C27-6A0B228C730F}"/>
+              </a:ext>
+            </a:extLst>
+          </p:cNvPr>
+          <p:cNvSpPr>
+            <a:spLocks noGrp="1"/>
+          </p:cNvSpPr>
+          <p:nvPr>
+            <p:ph type="title"/>
+          </p:nvPr>
+        </p:nvSpPr>
+        <p:spPr>
+          <a:xfrm>
+            <a:off x="-1" y="0"/>
+            <a:ext cx="4038601" cy="6858000"/>
+          </a:xfrm>
+          <a:solidFill>
+            <a:schemeClr val="accent2"/>
+          </a:solidFill>
+        </p:spPr>
+        <p:txBody>
+          <a:bodyPr vert="horz" lIns="91440" tIns="45720" rIns="91440" bIns="45720" rtlCol="0" anchor="t">
+            <a:normAutofit/>
+          </a:bodyPr>
+          <a:lstStyle/>
+          <a:p>
+            <a:pPr algn="ctr"/>
+            <a:r>
+              <a:rPr lang="en-US" sz="4000" dirty="0">
+                <a:solidFill>
+                  <a:srgbClr val="FFFFFF"/>
+                </a:solidFill>
+              </a:rPr>
+              <a:t>Step 2b: Display Rook Weights</a:t>
+            </a:r>
+            <a:br>
+              <a:rPr lang="en-US" sz="4000" dirty="0">
+                <a:solidFill>
+                  <a:srgbClr val="FFFFFF"/>
+                </a:solidFill>
+              </a:rPr>
+            </a:br>
+            <a:br>
+              <a:rPr lang="en-US" sz="4000" dirty="0">
+                <a:solidFill>
+                  <a:srgbClr val="FFFFFF"/>
+                </a:solidFill>
+              </a:rPr>
+            </a:br>
+            <a:r>
+              <a:rPr lang="en-US" sz="2000" b="0" i="0" dirty="0">
+                <a:solidFill>
+                  <a:schemeClr val="bg1"/>
+                </a:solidFill>
+                <a:effectLst/>
+                <a:latin typeface="Open Sans" panose="020B0606030504020204" pitchFamily="34" charset="0"/>
+              </a:rPr>
+              <a:t>So, Baja California Norte (0) has 2 rook neighbors: Baja California Sur (1) and Sonora (22).</a:t>
+            </a:r>
+            <a:br>
+              <a:rPr lang="en-US" sz="2000" b="0" i="0" dirty="0">
+                <a:solidFill>
+                  <a:schemeClr val="bg1"/>
+                </a:solidFill>
+                <a:effectLst/>
+                <a:latin typeface="Open Sans" panose="020B0606030504020204" pitchFamily="34" charset="0"/>
+              </a:rPr>
+            </a:br>
+            <a:br>
+              <a:rPr lang="en-US" sz="2000" b="0" i="0" dirty="0">
+                <a:solidFill>
+                  <a:schemeClr val="bg1"/>
+                </a:solidFill>
+                <a:effectLst/>
+                <a:latin typeface="Open Sans" panose="020B0606030504020204" pitchFamily="34" charset="0"/>
+              </a:rPr>
+            </a:br>
+            <a:r>
+              <a:rPr lang="en-US" sz="2000" b="0" i="0" dirty="0">
+                <a:solidFill>
+                  <a:schemeClr val="bg1"/>
+                </a:solidFill>
+                <a:effectLst/>
+                <a:latin typeface="Open Sans" panose="020B0606030504020204" pitchFamily="34" charset="0"/>
+              </a:rPr>
+              <a:t>Additionally, Jalisco (3), has 6 neighbors</a:t>
+            </a:r>
+            <a:endParaRPr lang="en-US" sz="4000" dirty="0">
+              <a:solidFill>
+                <a:schemeClr val="bg1"/>
+              </a:solidFill>
+            </a:endParaRPr>
+          </a:p>
+        </p:txBody>
+      </p:sp>
+      <p:pic>
+        <p:nvPicPr>
+          <p:cNvPr id="8" name="Picture 7">
+            <a:extLst>
+              <a:ext uri="{FF2B5EF4-FFF2-40B4-BE49-F238E27FC236}">
+                <a16:creationId xmlns:a16="http://schemas.microsoft.com/office/drawing/2014/main" id="{5A6BF228-6787-5F1A-AFDD-64B3E43D033B}"/>
+              </a:ext>
+            </a:extLst>
+          </p:cNvPr>
+          <p:cNvPicPr>
+            <a:picLocks noChangeAspect="1"/>
+          </p:cNvPicPr>
+          <p:nvPr/>
+        </p:nvPicPr>
+        <p:blipFill>
+          <a:blip r:embed="rId2"/>
+          <a:stretch>
+            <a:fillRect/>
+          </a:stretch>
+        </p:blipFill>
+        <p:spPr>
+          <a:xfrm>
+            <a:off x="4038602" y="-1"/>
+            <a:ext cx="3581401" cy="6770917"/>
+          </a:xfrm>
+          <a:prstGeom prst="rect">
+            <a:avLst/>
+          </a:prstGeom>
+        </p:spPr>
+      </p:pic>
+      <p:pic>
+        <p:nvPicPr>
+          <p:cNvPr id="10" name="Picture 9">
+            <a:extLst>
+              <a:ext uri="{FF2B5EF4-FFF2-40B4-BE49-F238E27FC236}">
+                <a16:creationId xmlns:a16="http://schemas.microsoft.com/office/drawing/2014/main" id="{762F90D8-2478-0C95-376F-19D45470D180}"/>
+              </a:ext>
+            </a:extLst>
+          </p:cNvPr>
+          <p:cNvPicPr>
+            <a:picLocks noChangeAspect="1"/>
+          </p:cNvPicPr>
+          <p:nvPr/>
+        </p:nvPicPr>
+        <p:blipFill>
+          <a:blip r:embed="rId3"/>
+          <a:stretch>
+            <a:fillRect/>
+          </a:stretch>
+        </p:blipFill>
+        <p:spPr>
+          <a:xfrm>
+            <a:off x="8151258" y="56840"/>
+            <a:ext cx="2956558" cy="6744319"/>
+          </a:xfrm>
+          <a:prstGeom prst="rect">
+            <a:avLst/>
+          </a:prstGeom>
+        </p:spPr>
+      </p:pic>
+    </p:spTree>
+    <p:extLst>
+      <p:ext uri="{BB962C8B-B14F-4D97-AF65-F5344CB8AC3E}">
+        <p14:creationId xmlns:p14="http://schemas.microsoft.com/office/powerpoint/2010/main" val="3090798178"/>
+      </p:ext>
+    </p:extLst>
+  </p:cSld>
+  <p:clrMapOvr>
+    <a:masterClrMapping/>
+  </p:clrMapOvr>
+</p:sld>
+</file>
+
+<file path=ppt/slides/slide6.xml><?xml version="1.0" encoding="utf-8"?>
+<p:sld xmlns:a="http://schemas.openxmlformats.org/drawingml/2006/main" xmlns:r="http://schemas.openxmlformats.org/officeDocument/2006/relationships" xmlns:p="http://schemas.openxmlformats.org/presentationml/2006/main">
+  <p:cSld>
+    <p:bg>
+      <p:bgPr>
+        <a:solidFill>
+          <a:schemeClr val="bg1"/>
+        </a:solidFill>
+        <a:effectLst/>
+      </p:bgPr>
+    </p:bg>
+    <p:spTree>
+      <p:nvGrpSpPr>
+        <p:cNvPr id="1" name=""/>
+        <p:cNvGrpSpPr/>
+        <p:nvPr/>
+      </p:nvGrpSpPr>
+      <p:grpSpPr>
+        <a:xfrm>
+          <a:off x="0" y="0"/>
+          <a:ext cx="0" cy="0"/>
+          <a:chOff x="0" y="0"/>
+          <a:chExt cx="0" cy="0"/>
+        </a:xfrm>
+      </p:grpSpPr>
+      <p:pic>
+        <p:nvPicPr>
+          <p:cNvPr id="5" name="Content Placeholder 4">
+            <a:extLst>
+              <a:ext uri="{FF2B5EF4-FFF2-40B4-BE49-F238E27FC236}">
+                <a16:creationId xmlns:a16="http://schemas.microsoft.com/office/drawing/2014/main" id="{484E613E-A993-A8D6-96BB-02BED1121CCC}"/>
+              </a:ext>
+            </a:extLst>
+          </p:cNvPr>
+          <p:cNvPicPr>
+            <a:picLocks noGrp="1" noChangeAspect="1"/>
+          </p:cNvPicPr>
+          <p:nvPr>
+            <p:ph idx="1"/>
+          </p:nvPr>
+        </p:nvPicPr>
+        <p:blipFill rotWithShape="1">
+          <a:blip r:embed="rId2">
+            <a:extLst>
+              <a:ext uri="{28A0092B-C50C-407E-A947-70E740481C1C}">
+                <a14:useLocalDpi xmlns:a14="http://schemas.microsoft.com/office/drawing/2010/main" val="0"/>
+              </a:ext>
+            </a:extLst>
+          </a:blip>
+          <a:srcRect l="21874" r="6156" b="12741"/>
+          <a:stretch/>
+        </p:blipFill>
+        <p:spPr>
+          <a:xfrm>
+            <a:off x="3250346" y="-874295"/>
+            <a:ext cx="9871422" cy="5984172"/>
+          </a:xfrm>
+          <a:prstGeom prst="rect">
+            <a:avLst/>
+          </a:prstGeom>
+        </p:spPr>
+      </p:pic>
+      <p:sp>
+        <p:nvSpPr>
+          <p:cNvPr id="10" name="Rectangle 9">
+            <a:extLst>
+              <a:ext uri="{FF2B5EF4-FFF2-40B4-BE49-F238E27FC236}">
+                <a16:creationId xmlns:a16="http://schemas.microsoft.com/office/drawing/2014/main" id="{37C89E4B-3C9F-44B9-8B86-D9E3D112D8EC}"/>
+              </a:ext>
+              <a:ext uri="{C183D7F6-B498-43B3-948B-1728B52AA6E4}">
+                <adec:decorative xmlns:adec="http://schemas.microsoft.com/office/drawing/2017/decorative" val="1"/>
+              </a:ext>
+            </a:extLst>
+          </p:cNvPr>
+          <p:cNvSpPr>
+            <a:spLocks noGrp="1" noRot="1" noChangeAspect="1" noMove="1" noResize="1" noEditPoints="1" noAdjustHandles="1" noChangeArrowheads="1" noChangeShapeType="1" noTextEdit="1"/>
+          </p:cNvSpPr>
+          <p:nvPr>
+            <p:extLst>
+              <p:ext uri="{386F3935-93C4-4BCD-93E2-E3B085C9AB24}">
+                <p16:designElem xmlns:p16="http://schemas.microsoft.com/office/powerpoint/2015/main" val="1"/>
+              </p:ext>
+            </p:extLst>
+          </p:nvPr>
+        </p:nvSpPr>
+        <p:spPr>
+          <a:xfrm>
+            <a:off x="0" y="5320142"/>
+            <a:ext cx="12192000" cy="736551"/>
+          </a:xfrm>
+          <a:prstGeom prst="rect">
+            <a:avLst/>
+          </a:prstGeom>
+          <a:solidFill>
+            <a:schemeClr val="bg1">
+              <a:alpha val="93000"/>
+            </a:schemeClr>
+          </a:solidFill>
+          <a:ln>
+            <a:noFill/>
+          </a:ln>
+        </p:spPr>
+        <p:style>
+          <a:lnRef idx="2">
+            <a:schemeClr val="accent1">
+              <a:shade val="50000"/>
+            </a:schemeClr>
+          </a:lnRef>
+          <a:fillRef idx="1">
+            <a:schemeClr val="accent1"/>
+          </a:fillRef>
+          <a:effectRef idx="0">
+            <a:schemeClr val="accent1"/>
+          </a:effectRef>
+          <a:fontRef idx="minor">
+            <a:schemeClr val="lt1"/>
+          </a:fontRef>
+        </p:style>
+        <p:txBody>
+          <a:bodyPr rtlCol="0" anchor="ctr"/>
+          <a:lstStyle/>
+          <a:p>
+            <a:pPr algn="ctr"/>
+            <a:endParaRPr lang="en-US"/>
+          </a:p>
+        </p:txBody>
+      </p:sp>
+      <p:sp>
+        <p:nvSpPr>
+          <p:cNvPr id="2" name="Title 1">
+            <a:extLst>
+              <a:ext uri="{FF2B5EF4-FFF2-40B4-BE49-F238E27FC236}">
+                <a16:creationId xmlns:a16="http://schemas.microsoft.com/office/drawing/2014/main" id="{4FD43499-563B-D1CB-52A0-59A1F3B9BFEE}"/>
+              </a:ext>
+            </a:extLst>
+          </p:cNvPr>
+          <p:cNvSpPr>
+            <a:spLocks noGrp="1"/>
+          </p:cNvSpPr>
+          <p:nvPr>
+            <p:ph type="title"/>
+          </p:nvPr>
+        </p:nvSpPr>
+        <p:spPr>
+          <a:xfrm>
+            <a:off x="662188" y="5422868"/>
+            <a:ext cx="7429100" cy="744836"/>
+          </a:xfrm>
+        </p:spPr>
+        <p:txBody>
+          <a:bodyPr vert="horz" lIns="91440" tIns="45720" rIns="91440" bIns="45720" rtlCol="0" anchor="ctr">
+            <a:normAutofit/>
+          </a:bodyPr>
+          <a:lstStyle/>
+          <a:p>
+            <a:pPr algn="ctr"/>
+            <a:r>
+              <a:rPr lang="en-US" sz="3600" dirty="0">
+                <a:solidFill>
+                  <a:schemeClr val="tx1">
+                    <a:lumMod val="85000"/>
+                    <a:lumOff val="15000"/>
+                  </a:schemeClr>
+                </a:solidFill>
+              </a:rPr>
+              <a:t>Step 3a: Create Queen Network Map</a:t>
+            </a:r>
+          </a:p>
+        </p:txBody>
+      </p:sp>
+      <p:cxnSp>
+        <p:nvCxnSpPr>
+          <p:cNvPr id="12" name="Straight Connector 11">
+            <a:extLst>
+              <a:ext uri="{FF2B5EF4-FFF2-40B4-BE49-F238E27FC236}">
+                <a16:creationId xmlns:a16="http://schemas.microsoft.com/office/drawing/2014/main" id="{AA2EAA10-076F-46BD-8F0F-B9A2FB77A85C}"/>
+              </a:ext>
+              <a:ext uri="{C183D7F6-B498-43B3-948B-1728B52AA6E4}">
+                <adec:decorative xmlns:adec="http://schemas.microsoft.com/office/drawing/2017/decorative" val="1"/>
+              </a:ext>
+            </a:extLst>
+          </p:cNvPr>
+          <p:cNvCxnSpPr>
+            <a:cxnSpLocks noGrp="1" noRot="1" noChangeAspect="1" noMove="1" noResize="1" noEditPoints="1" noAdjustHandles="1" noChangeArrowheads="1" noChangeShapeType="1"/>
+          </p:cNvCxnSpPr>
+          <p:nvPr>
+            <p:extLst>
+              <p:ext uri="{386F3935-93C4-4BCD-93E2-E3B085C9AB24}">
+                <p16:designElem xmlns:p16="http://schemas.microsoft.com/office/powerpoint/2015/main" val="1"/>
+              </p:ext>
+            </p:extLst>
+          </p:nvPr>
+        </p:nvCxnSpPr>
+        <p:spPr>
+          <a:xfrm>
+            <a:off x="0" y="5241983"/>
+            <a:ext cx="12192000" cy="0"/>
+          </a:xfrm>
+          <a:prstGeom prst="line">
+            <a:avLst/>
+          </a:prstGeom>
+          <a:ln w="41275">
+            <a:solidFill>
+              <a:schemeClr val="bg1">
+                <a:alpha val="90000"/>
+              </a:schemeClr>
+            </a:solidFill>
+          </a:ln>
+        </p:spPr>
+        <p:style>
+          <a:lnRef idx="1">
+            <a:schemeClr val="accent1"/>
+          </a:lnRef>
+          <a:fillRef idx="0">
+            <a:schemeClr val="accent1"/>
+          </a:fillRef>
+          <a:effectRef idx="0">
+            <a:schemeClr val="accent1"/>
+          </a:effectRef>
+          <a:fontRef idx="minor">
+            <a:schemeClr val="tx1"/>
+          </a:fontRef>
+        </p:style>
+      </p:cxnSp>
+      <p:cxnSp>
+        <p:nvCxnSpPr>
+          <p:cNvPr id="14" name="Straight Connector 13">
+            <a:extLst>
+              <a:ext uri="{FF2B5EF4-FFF2-40B4-BE49-F238E27FC236}">
+                <a16:creationId xmlns:a16="http://schemas.microsoft.com/office/drawing/2014/main" id="{D891E407-403B-4764-86C9-33A56D3BCAA3}"/>
+              </a:ext>
+              <a:ext uri="{C183D7F6-B498-43B3-948B-1728B52AA6E4}">
+                <adec:decorative xmlns:adec="http://schemas.microsoft.com/office/drawing/2017/decorative" val="1"/>
+              </a:ext>
+            </a:extLst>
+          </p:cNvPr>
+          <p:cNvCxnSpPr>
+            <a:cxnSpLocks noGrp="1" noRot="1" noChangeAspect="1" noMove="1" noResize="1" noEditPoints="1" noAdjustHandles="1" noChangeArrowheads="1" noChangeShapeType="1"/>
+          </p:cNvCxnSpPr>
+          <p:nvPr>
+            <p:extLst>
+              <p:ext uri="{386F3935-93C4-4BCD-93E2-E3B085C9AB24}">
+                <p16:designElem xmlns:p16="http://schemas.microsoft.com/office/powerpoint/2015/main" val="1"/>
+              </p:ext>
+            </p:extLst>
+          </p:nvPr>
+        </p:nvCxnSpPr>
+        <p:spPr>
+          <a:xfrm>
+            <a:off x="0" y="6134852"/>
+            <a:ext cx="12192000" cy="0"/>
+          </a:xfrm>
+          <a:prstGeom prst="line">
+            <a:avLst/>
+          </a:prstGeom>
+          <a:ln w="41275">
+            <a:solidFill>
+              <a:schemeClr val="bg1">
+                <a:alpha val="90000"/>
+              </a:schemeClr>
+            </a:solidFill>
+          </a:ln>
+        </p:spPr>
+        <p:style>
+          <a:lnRef idx="1">
+            <a:schemeClr val="accent1"/>
+          </a:lnRef>
+          <a:fillRef idx="0">
+            <a:schemeClr val="accent1"/>
+          </a:fillRef>
+          <a:effectRef idx="0">
+            <a:schemeClr val="accent1"/>
+          </a:effectRef>
+          <a:fontRef idx="minor">
+            <a:schemeClr val="tx1"/>
+          </a:fontRef>
+        </p:style>
+      </p:cxnSp>
+      <p:pic>
+        <p:nvPicPr>
+          <p:cNvPr id="13" name="Picture 12">
+            <a:extLst>
+              <a:ext uri="{FF2B5EF4-FFF2-40B4-BE49-F238E27FC236}">
+                <a16:creationId xmlns:a16="http://schemas.microsoft.com/office/drawing/2014/main" id="{43986E96-5C9B-F0DC-C197-1F713BD96B1B}"/>
+              </a:ext>
+            </a:extLst>
+          </p:cNvPr>
+          <p:cNvPicPr>
+            <a:picLocks noChangeAspect="1"/>
+          </p:cNvPicPr>
+          <p:nvPr/>
+        </p:nvPicPr>
+        <p:blipFill>
+          <a:blip r:embed="rId3"/>
+          <a:stretch>
+            <a:fillRect/>
+          </a:stretch>
+        </p:blipFill>
+        <p:spPr>
+          <a:xfrm>
+            <a:off x="566435" y="3291505"/>
+            <a:ext cx="4896533" cy="1686160"/>
+          </a:xfrm>
+          <a:prstGeom prst="rect">
+            <a:avLst/>
+          </a:prstGeom>
+          <a:ln>
+            <a:solidFill>
+              <a:schemeClr val="tx1"/>
+            </a:solidFill>
+          </a:ln>
+        </p:spPr>
+      </p:pic>
+    </p:spTree>
+    <p:extLst>
+      <p:ext uri="{BB962C8B-B14F-4D97-AF65-F5344CB8AC3E}">
+        <p14:creationId xmlns:p14="http://schemas.microsoft.com/office/powerpoint/2010/main" val="4116398063"/>
+      </p:ext>
+    </p:extLst>
+  </p:cSld>
+  <p:clrMapOvr>
+    <a:masterClrMapping/>
+  </p:clrMapOvr>
+</p:sld>
+</file>
+
+<file path=ppt/slides/slide7.xml><?xml version="1.0" encoding="utf-8"?>
+<p:sld xmlns:a="http://schemas.openxmlformats.org/drawingml/2006/main" xmlns:r="http://schemas.openxmlformats.org/officeDocument/2006/relationships" xmlns:p="http://schemas.openxmlformats.org/presentationml/2006/main">
+  <p:cSld>
+    <p:bg>
+      <p:bgPr>
+        <a:solidFill>
+          <a:schemeClr val="bg1"/>
+        </a:solidFill>
+        <a:effectLst/>
+      </p:bgPr>
+    </p:bg>
+    <p:spTree>
+      <p:nvGrpSpPr>
+        <p:cNvPr id="1" name=""/>
+        <p:cNvGrpSpPr/>
+        <p:nvPr/>
+      </p:nvGrpSpPr>
+      <p:grpSpPr>
+        <a:xfrm>
+          <a:off x="0" y="0"/>
+          <a:ext cx="0" cy="0"/>
+          <a:chOff x="0" y="0"/>
+          <a:chExt cx="0" cy="0"/>
+        </a:xfrm>
+      </p:grpSpPr>
+      <p:sp useBgFill="1">
+        <p:nvSpPr>
+          <p:cNvPr id="15" name="Rectangle 14">
+            <a:extLst>
+              <a:ext uri="{FF2B5EF4-FFF2-40B4-BE49-F238E27FC236}">
+                <a16:creationId xmlns:a16="http://schemas.microsoft.com/office/drawing/2014/main" id="{2151139A-886F-4B97-8815-729AD3831BBD}"/>
+              </a:ext>
+              <a:ext uri="{C183D7F6-B498-43B3-948B-1728B52AA6E4}">
+                <adec:decorative xmlns:adec="http://schemas.microsoft.com/office/drawing/2017/decorative" val="1"/>
+              </a:ext>
+            </a:extLst>
+          </p:cNvPr>
+          <p:cNvSpPr>
+            <a:spLocks noGrp="1" noRot="1" noChangeAspect="1" noMove="1" noResize="1" noEditPoints="1" noAdjustHandles="1" noChangeArrowheads="1" noChangeShapeType="1" noTextEdit="1"/>
+          </p:cNvSpPr>
+          <p:nvPr>
+            <p:extLst>
+              <p:ext uri="{386F3935-93C4-4BCD-93E2-E3B085C9AB24}">
+                <p16:designElem xmlns:p16="http://schemas.microsoft.com/office/powerpoint/2015/main" val="1"/>
+              </p:ext>
+            </p:extLst>
+          </p:nvPr>
+        </p:nvSpPr>
+        <p:spPr>
+          <a:xfrm>
+            <a:off x="0" y="0"/>
+            <a:ext cx="12192000" cy="6858000"/>
+          </a:xfrm>
+          <a:prstGeom prst="rect">
+            <a:avLst/>
+          </a:prstGeom>
+          <a:ln w="12700" cap="flat" cmpd="sng" algn="ctr">
+            <a:noFill/>
+            <a:prstDash val="solid"/>
+            <a:miter lim="800000"/>
+          </a:ln>
+          <a:effectLst/>
+          <a:extLst>
+            <a:ext uri="{91240B29-F687-4F45-9708-019B960494DF}">
+              <a14:hiddenLine xmlns:a14="http://schemas.microsoft.com/office/drawing/2010/main" w="12700" cap="flat" cmpd="sng" algn="ctr">
+                <a:solidFill>
+                  <a:schemeClr val="accent1">
+                    <a:shade val="50000"/>
+                  </a:schemeClr>
+                </a:solidFill>
+                <a:prstDash val="solid"/>
+                <a:miter lim="800000"/>
+              </a14:hiddenLine>
+            </a:ext>
+          </a:extLst>
+        </p:spPr>
+        <p:style>
+          <a:lnRef idx="2">
+            <a:schemeClr val="accent1">
+              <a:shade val="50000"/>
+            </a:schemeClr>
+          </a:lnRef>
+          <a:fillRef idx="1">
+            <a:schemeClr val="accent1"/>
+          </a:fillRef>
+          <a:effectRef idx="0">
+            <a:schemeClr val="accent1"/>
+          </a:effectRef>
+          <a:fontRef idx="minor">
+            <a:schemeClr val="lt1"/>
+          </a:fontRef>
+        </p:style>
+        <p:txBody>
+          <a:bodyPr rtlCol="0" anchor="ctr"/>
+          <a:lstStyle/>
+          <a:p>
+            <a:pPr algn="ctr"/>
+            <a:endParaRPr lang="en-US" sz="2000"/>
+          </a:p>
+        </p:txBody>
+      </p:sp>
+      <p:sp>
+        <p:nvSpPr>
+          <p:cNvPr id="17" name="Rectangle 16">
+            <a:extLst>
+              <a:ext uri="{FF2B5EF4-FFF2-40B4-BE49-F238E27FC236}">
+                <a16:creationId xmlns:a16="http://schemas.microsoft.com/office/drawing/2014/main" id="{5428AC11-BFDF-42EF-80FF-717BBF909067}"/>
+              </a:ext>
+              <a:ext uri="{C183D7F6-B498-43B3-948B-1728B52AA6E4}">
+                <adec:decorative xmlns:adec="http://schemas.microsoft.com/office/drawing/2017/decorative" val="1"/>
+              </a:ext>
+            </a:extLst>
+          </p:cNvPr>
+          <p:cNvSpPr>
+            <a:spLocks noGrp="1" noRot="1" noChangeAspect="1" noMove="1" noResize="1" noEditPoints="1" noAdjustHandles="1" noChangeArrowheads="1" noChangeShapeType="1" noTextEdit="1"/>
+          </p:cNvSpPr>
+          <p:nvPr>
+            <p:extLst>
+              <p:ext uri="{386F3935-93C4-4BCD-93E2-E3B085C9AB24}">
+                <p16:designElem xmlns:p16="http://schemas.microsoft.com/office/powerpoint/2015/main" val="1"/>
+              </p:ext>
+            </p:extLst>
+          </p:nvPr>
+        </p:nvSpPr>
+        <p:spPr>
+          <a:xfrm rot="5400000" flipH="1">
+            <a:off x="-1408628" y="1408629"/>
+            <a:ext cx="6858000" cy="4040744"/>
+          </a:xfrm>
+          <a:prstGeom prst="rect">
+            <a:avLst/>
+          </a:prstGeom>
+          <a:gradFill>
+            <a:gsLst>
+              <a:gs pos="11000">
+                <a:srgbClr val="000000"/>
+              </a:gs>
+              <a:gs pos="100000">
+                <a:schemeClr val="accent1">
+                  <a:lumMod val="75000"/>
+                </a:schemeClr>
+              </a:gs>
+            </a:gsLst>
+            <a:lin ang="18600000" scaled="0"/>
+          </a:gradFill>
+          <a:ln>
+            <a:noFill/>
+          </a:ln>
+        </p:spPr>
+        <p:style>
+          <a:lnRef idx="2">
+            <a:schemeClr val="accent1">
+              <a:shade val="50000"/>
+            </a:schemeClr>
+          </a:lnRef>
+          <a:fillRef idx="1">
+            <a:schemeClr val="accent1"/>
+          </a:fillRef>
+          <a:effectRef idx="0">
+            <a:schemeClr val="accent1"/>
+          </a:effectRef>
+          <a:fontRef idx="minor">
+            <a:schemeClr val="lt1"/>
+          </a:fontRef>
+        </p:style>
+        <p:txBody>
+          <a:bodyPr rtlCol="0" anchor="ctr"/>
+          <a:lstStyle/>
+          <a:p>
+            <a:pPr algn="ctr"/>
+            <a:endParaRPr lang="en-US" dirty="0"/>
+          </a:p>
+        </p:txBody>
+      </p:sp>
+      <p:sp>
+        <p:nvSpPr>
+          <p:cNvPr id="19" name="Rectangle 18">
+            <a:extLst>
+              <a:ext uri="{FF2B5EF4-FFF2-40B4-BE49-F238E27FC236}">
+                <a16:creationId xmlns:a16="http://schemas.microsoft.com/office/drawing/2014/main" id="{2CC56AF6-38E4-490B-8E2B-1A1037B4EDD4}"/>
+              </a:ext>
+              <a:ext uri="{C183D7F6-B498-43B3-948B-1728B52AA6E4}">
+                <adec:decorative xmlns:adec="http://schemas.microsoft.com/office/drawing/2017/decorative" val="1"/>
+              </a:ext>
+            </a:extLst>
+          </p:cNvPr>
+          <p:cNvSpPr>
+            <a:spLocks noGrp="1" noRot="1" noChangeAspect="1" noMove="1" noResize="1" noEditPoints="1" noAdjustHandles="1" noChangeArrowheads="1" noChangeShapeType="1" noTextEdit="1"/>
+          </p:cNvSpPr>
+          <p:nvPr>
+            <p:extLst>
+              <p:ext uri="{386F3935-93C4-4BCD-93E2-E3B085C9AB24}">
+                <p16:designElem xmlns:p16="http://schemas.microsoft.com/office/powerpoint/2015/main" val="1"/>
+              </p:ext>
+            </p:extLst>
+          </p:nvPr>
+        </p:nvSpPr>
+        <p:spPr>
+          <a:xfrm rot="16200000">
+            <a:off x="-159565" y="2659832"/>
+            <a:ext cx="4355594" cy="4040742"/>
+          </a:xfrm>
+          <a:prstGeom prst="rect">
+            <a:avLst/>
+          </a:prstGeom>
+          <a:gradFill>
+            <a:gsLst>
+              <a:gs pos="0">
+                <a:schemeClr val="accent1">
+                  <a:alpha val="50000"/>
+                </a:schemeClr>
+              </a:gs>
+              <a:gs pos="100000">
+                <a:schemeClr val="accent1">
+                  <a:lumMod val="50000"/>
+                  <a:alpha val="0"/>
+                </a:schemeClr>
+              </a:gs>
+            </a:gsLst>
+            <a:lin ang="11400000" scaled="0"/>
+          </a:gradFill>
+          <a:ln>
+            <a:noFill/>
+          </a:ln>
+        </p:spPr>
+        <p:style>
+          <a:lnRef idx="2">
+            <a:schemeClr val="accent1">
+              <a:shade val="50000"/>
+            </a:schemeClr>
+          </a:lnRef>
+          <a:fillRef idx="1">
+            <a:schemeClr val="accent1"/>
+          </a:fillRef>
+          <a:effectRef idx="0">
+            <a:schemeClr val="accent1"/>
+          </a:effectRef>
+          <a:fontRef idx="minor">
+            <a:schemeClr val="lt1"/>
+          </a:fontRef>
+        </p:style>
+        <p:txBody>
+          <a:bodyPr rtlCol="0" anchor="ctr"/>
+          <a:lstStyle/>
+          <a:p>
+            <a:pPr algn="ctr"/>
+            <a:endParaRPr lang="en-US"/>
+          </a:p>
+        </p:txBody>
+      </p:sp>
+      <p:sp>
+        <p:nvSpPr>
+          <p:cNvPr id="21" name="Rectangle 20">
+            <a:extLst>
+              <a:ext uri="{FF2B5EF4-FFF2-40B4-BE49-F238E27FC236}">
+                <a16:creationId xmlns:a16="http://schemas.microsoft.com/office/drawing/2014/main" id="{2339A6F5-AD6A-4D80-8AD9-6290D13AC49F}"/>
+              </a:ext>
+              <a:ext uri="{C183D7F6-B498-43B3-948B-1728B52AA6E4}">
+                <adec:decorative xmlns:adec="http://schemas.microsoft.com/office/drawing/2017/decorative" val="1"/>
+              </a:ext>
+            </a:extLst>
+          </p:cNvPr>
+          <p:cNvSpPr>
+            <a:spLocks noGrp="1" noRot="1" noChangeAspect="1" noMove="1" noResize="1" noEditPoints="1" noAdjustHandles="1" noChangeArrowheads="1" noChangeShapeType="1" noTextEdit="1"/>
+          </p:cNvSpPr>
+          <p:nvPr>
+            <p:extLst>
+              <p:ext uri="{386F3935-93C4-4BCD-93E2-E3B085C9AB24}">
+                <p16:designElem xmlns:p16="http://schemas.microsoft.com/office/powerpoint/2015/main" val="1"/>
+              </p:ext>
+            </p:extLst>
+          </p:nvPr>
+        </p:nvSpPr>
+        <p:spPr>
+          <a:xfrm rot="16200000" flipH="1">
+            <a:off x="-1180882" y="1638513"/>
+            <a:ext cx="6857572" cy="3581401"/>
+          </a:xfrm>
+          <a:prstGeom prst="rect">
+            <a:avLst/>
+          </a:prstGeom>
+          <a:gradFill>
+            <a:gsLst>
+              <a:gs pos="0">
+                <a:srgbClr val="000000">
+                  <a:alpha val="61000"/>
+                </a:srgbClr>
+              </a:gs>
+              <a:gs pos="95000">
+                <a:schemeClr val="accent5">
+                  <a:alpha val="0"/>
+                </a:schemeClr>
+              </a:gs>
+            </a:gsLst>
+            <a:lin ang="13800000" scaled="0"/>
+          </a:gradFill>
+          <a:ln>
+            <a:noFill/>
+          </a:ln>
+        </p:spPr>
+        <p:style>
+          <a:lnRef idx="2">
+            <a:schemeClr val="accent1">
+              <a:shade val="50000"/>
+            </a:schemeClr>
+          </a:lnRef>
+          <a:fillRef idx="1">
+            <a:schemeClr val="accent1"/>
+          </a:fillRef>
+          <a:effectRef idx="0">
+            <a:schemeClr val="accent1"/>
+          </a:effectRef>
+          <a:fontRef idx="minor">
+            <a:schemeClr val="lt1"/>
+          </a:fontRef>
+        </p:style>
+        <p:txBody>
+          <a:bodyPr rtlCol="0" anchor="ctr"/>
+          <a:lstStyle/>
+          <a:p>
+            <a:pPr algn="ctr"/>
+            <a:endParaRPr lang="en-US" dirty="0"/>
+          </a:p>
+        </p:txBody>
+      </p:sp>
+      <p:sp>
+        <p:nvSpPr>
+          <p:cNvPr id="2" name="Title 1">
+            <a:extLst>
+              <a:ext uri="{FF2B5EF4-FFF2-40B4-BE49-F238E27FC236}">
+                <a16:creationId xmlns:a16="http://schemas.microsoft.com/office/drawing/2014/main" id="{8338B02A-0AB8-8622-8C27-6A0B228C730F}"/>
+              </a:ext>
+            </a:extLst>
+          </p:cNvPr>
+          <p:cNvSpPr>
+            <a:spLocks noGrp="1"/>
+          </p:cNvSpPr>
+          <p:nvPr>
+            <p:ph type="title"/>
+          </p:nvPr>
+        </p:nvSpPr>
+        <p:spPr>
+          <a:xfrm>
+            <a:off x="-1" y="0"/>
+            <a:ext cx="4038601" cy="6858000"/>
+          </a:xfrm>
+          <a:solidFill>
+            <a:schemeClr val="accent2"/>
+          </a:solidFill>
+        </p:spPr>
+        <p:txBody>
+          <a:bodyPr vert="horz" lIns="91440" tIns="45720" rIns="91440" bIns="45720" rtlCol="0" anchor="t">
+            <a:normAutofit/>
+          </a:bodyPr>
+          <a:lstStyle/>
+          <a:p>
+            <a:pPr algn="ctr"/>
+            <a:r>
+              <a:rPr lang="en-US" sz="4000" dirty="0">
+                <a:solidFill>
+                  <a:srgbClr val="FFFFFF"/>
+                </a:solidFill>
+              </a:rPr>
+              <a:t>Step 3b: Display Queen Weights</a:t>
+            </a:r>
+            <a:br>
+              <a:rPr lang="en-US" sz="4000" dirty="0">
+                <a:solidFill>
+                  <a:srgbClr val="FFFFFF"/>
+                </a:solidFill>
+              </a:rPr>
+            </a:br>
+            <a:br>
+              <a:rPr lang="en-US" sz="4000" dirty="0">
+                <a:solidFill>
+                  <a:srgbClr val="FFFFFF"/>
+                </a:solidFill>
+              </a:rPr>
+            </a:br>
+            <a:r>
+              <a:rPr lang="en-US" sz="2000" b="0" i="0" dirty="0">
+                <a:solidFill>
+                  <a:schemeClr val="bg1"/>
+                </a:solidFill>
+                <a:effectLst/>
+                <a:latin typeface="Open Sans" panose="020B0606030504020204" pitchFamily="34" charset="0"/>
+              </a:rPr>
+              <a:t>So, Baja California Norte (0) has 2 rook neighbors: Baja California Sur (1) and Sonora (22).</a:t>
+            </a:r>
+            <a:br>
+              <a:rPr lang="en-US" sz="2000" b="0" i="0" dirty="0">
+                <a:solidFill>
+                  <a:schemeClr val="bg1"/>
+                </a:solidFill>
+                <a:effectLst/>
+                <a:latin typeface="Open Sans" panose="020B0606030504020204" pitchFamily="34" charset="0"/>
+              </a:rPr>
+            </a:br>
+            <a:br>
+              <a:rPr lang="en-US" sz="2000" b="0" i="0" dirty="0">
+                <a:solidFill>
+                  <a:schemeClr val="bg1"/>
+                </a:solidFill>
+                <a:effectLst/>
+                <a:latin typeface="Open Sans" panose="020B0606030504020204" pitchFamily="34" charset="0"/>
+              </a:rPr>
+            </a:br>
+            <a:br>
+              <a:rPr lang="en-US" sz="2000" b="0" i="0" dirty="0">
+                <a:solidFill>
+                  <a:schemeClr val="bg1"/>
+                </a:solidFill>
+                <a:effectLst/>
+                <a:latin typeface="Open Sans" panose="020B0606030504020204" pitchFamily="34" charset="0"/>
+              </a:rPr>
+            </a:br>
+            <a:r>
+              <a:rPr lang="en-US" sz="2000" b="0" i="0" dirty="0">
+                <a:solidFill>
+                  <a:schemeClr val="bg1"/>
+                </a:solidFill>
+                <a:effectLst/>
+                <a:latin typeface="Open Sans" panose="020B0606030504020204" pitchFamily="34" charset="0"/>
+              </a:rPr>
+              <a:t>This time</a:t>
+            </a:r>
+            <a:r>
+              <a:rPr lang="en-US" sz="2000" dirty="0">
+                <a:solidFill>
+                  <a:schemeClr val="bg1"/>
+                </a:solidFill>
+                <a:latin typeface="Open Sans" panose="020B0606030504020204" pitchFamily="34" charset="0"/>
+              </a:rPr>
+              <a:t>, Jalisco (3), has 7 neighbors! There are other differences as well.</a:t>
+            </a:r>
+          </a:p>
+        </p:txBody>
+      </p:sp>
+      <p:pic>
+        <p:nvPicPr>
+          <p:cNvPr id="10" name="Picture 9">
+            <a:extLst>
+              <a:ext uri="{FF2B5EF4-FFF2-40B4-BE49-F238E27FC236}">
+                <a16:creationId xmlns:a16="http://schemas.microsoft.com/office/drawing/2014/main" id="{762F90D8-2478-0C95-376F-19D45470D180}"/>
+              </a:ext>
+            </a:extLst>
+          </p:cNvPr>
+          <p:cNvPicPr>
+            <a:picLocks noChangeAspect="1"/>
+          </p:cNvPicPr>
+          <p:nvPr/>
+        </p:nvPicPr>
+        <p:blipFill>
+          <a:blip r:embed="rId2"/>
+          <a:stretch>
+            <a:fillRect/>
+          </a:stretch>
+        </p:blipFill>
+        <p:spPr>
+          <a:xfrm>
+            <a:off x="8151258" y="56840"/>
+            <a:ext cx="2956558" cy="6744319"/>
+          </a:xfrm>
+          <a:prstGeom prst="rect">
+            <a:avLst/>
+          </a:prstGeom>
+        </p:spPr>
+      </p:pic>
+      <p:pic>
+        <p:nvPicPr>
+          <p:cNvPr id="4" name="Picture 3">
+            <a:extLst>
+              <a:ext uri="{FF2B5EF4-FFF2-40B4-BE49-F238E27FC236}">
+                <a16:creationId xmlns:a16="http://schemas.microsoft.com/office/drawing/2014/main" id="{693CB71E-CF5F-7483-D1E3-96581399906A}"/>
+              </a:ext>
+            </a:extLst>
+          </p:cNvPr>
+          <p:cNvPicPr>
+            <a:picLocks noChangeAspect="1"/>
+          </p:cNvPicPr>
+          <p:nvPr/>
+        </p:nvPicPr>
+        <p:blipFill>
+          <a:blip r:embed="rId3"/>
+          <a:stretch>
+            <a:fillRect/>
+          </a:stretch>
+        </p:blipFill>
+        <p:spPr>
+          <a:xfrm>
+            <a:off x="4038600" y="-2"/>
+            <a:ext cx="3672840" cy="6858919"/>
+          </a:xfrm>
+          <a:prstGeom prst="rect">
+            <a:avLst/>
+          </a:prstGeom>
+        </p:spPr>
+      </p:pic>
+    </p:spTree>
+    <p:extLst>
+      <p:ext uri="{BB962C8B-B14F-4D97-AF65-F5344CB8AC3E}">
+        <p14:creationId xmlns:p14="http://schemas.microsoft.com/office/powerpoint/2010/main" val="4044986263"/>
+      </p:ext>
+    </p:extLst>
+  </p:cSld>
+  <p:clrMapOvr>
+    <a:masterClrMapping/>
+  </p:clrMapOvr>
+</p:sld>
+</file>
+
+<file path=ppt/slides/slide8.xml><?xml version="1.0" encoding="utf-8"?>
+<p:sld xmlns:a="http://schemas.openxmlformats.org/drawingml/2006/main" xmlns:r="http://schemas.openxmlformats.org/officeDocument/2006/relationships" xmlns:p="http://schemas.openxmlformats.org/presentationml/2006/main">
+  <p:cSld>
+    <p:bg>
+      <p:bgPr>
+        <a:solidFill>
+          <a:schemeClr val="bg1"/>
+        </a:solidFill>
+        <a:effectLst/>
+      </p:bgPr>
+    </p:bg>
+    <p:spTree>
+      <p:nvGrpSpPr>
+        <p:cNvPr id="1" name=""/>
+        <p:cNvGrpSpPr/>
+        <p:nvPr/>
+      </p:nvGrpSpPr>
+      <p:grpSpPr>
+        <a:xfrm>
+          <a:off x="0" y="0"/>
+          <a:ext cx="0" cy="0"/>
+          <a:chOff x="0" y="0"/>
+          <a:chExt cx="0" cy="0"/>
+        </a:xfrm>
+      </p:grpSpPr>
+      <p:sp useBgFill="1">
+        <p:nvSpPr>
+          <p:cNvPr id="22" name="Rectangle 21">
+            <a:extLst>
+              <a:ext uri="{FF2B5EF4-FFF2-40B4-BE49-F238E27FC236}">
+                <a16:creationId xmlns:a16="http://schemas.microsoft.com/office/drawing/2014/main" id="{C4879EFC-8E62-4E00-973C-C45EE9EC676D}"/>
+              </a:ext>
+              <a:ext uri="{C183D7F6-B498-43B3-948B-1728B52AA6E4}">
+                <adec:decorative xmlns:adec="http://schemas.microsoft.com/office/drawing/2017/decorative" val="1"/>
+              </a:ext>
+            </a:extLst>
+          </p:cNvPr>
+          <p:cNvSpPr>
+            <a:spLocks noGrp="1" noRot="1" noChangeAspect="1" noMove="1" noResize="1" noEditPoints="1" noAdjustHandles="1" noChangeArrowheads="1" noChangeShapeType="1" noTextEdit="1"/>
+          </p:cNvSpPr>
+          <p:nvPr>
+            <p:extLst>
+              <p:ext uri="{386F3935-93C4-4BCD-93E2-E3B085C9AB24}">
+                <p16:designElem xmlns:p16="http://schemas.microsoft.com/office/powerpoint/2015/main" val="1"/>
+              </p:ext>
+            </p:extLst>
+          </p:nvPr>
+        </p:nvSpPr>
+        <p:spPr>
+          <a:xfrm>
+            <a:off x="0" y="0"/>
+            <a:ext cx="12188952" cy="6858000"/>
+          </a:xfrm>
+          <a:prstGeom prst="rect">
+            <a:avLst/>
+          </a:prstGeom>
+          <a:ln>
+            <a:noFill/>
+          </a:ln>
+        </p:spPr>
+        <p:style>
+          <a:lnRef idx="2">
+            <a:schemeClr val="accent1">
+              <a:shade val="50000"/>
+            </a:schemeClr>
+          </a:lnRef>
+          <a:fillRef idx="1">
+            <a:schemeClr val="accent1"/>
+          </a:fillRef>
+          <a:effectRef idx="0">
+            <a:schemeClr val="accent1"/>
+          </a:effectRef>
+          <a:fontRef idx="minor">
+            <a:schemeClr val="lt1"/>
+          </a:fontRef>
+        </p:style>
+        <p:txBody>
+          <a:bodyPr rtlCol="0" anchor="ctr"/>
+          <a:lstStyle/>
+          <a:p>
+            <a:pPr algn="ctr"/>
+            <a:endParaRPr lang="en-US"/>
+          </a:p>
+        </p:txBody>
+      </p:sp>
+      <p:sp>
+        <p:nvSpPr>
+          <p:cNvPr id="2" name="Title 1">
+            <a:extLst>
+              <a:ext uri="{FF2B5EF4-FFF2-40B4-BE49-F238E27FC236}">
+                <a16:creationId xmlns:a16="http://schemas.microsoft.com/office/drawing/2014/main" id="{67E270CD-ACC8-1C6E-0C35-1645C637E5F3}"/>
+              </a:ext>
+            </a:extLst>
+          </p:cNvPr>
+          <p:cNvSpPr>
+            <a:spLocks noGrp="1"/>
+          </p:cNvSpPr>
+          <p:nvPr>
+            <p:ph type="title"/>
+          </p:nvPr>
+        </p:nvSpPr>
+        <p:spPr>
+          <a:xfrm>
+            <a:off x="638881" y="457200"/>
+            <a:ext cx="10909640" cy="1368614"/>
+          </a:xfrm>
+        </p:spPr>
+        <p:txBody>
+          <a:bodyPr vert="horz" lIns="91440" tIns="45720" rIns="91440" bIns="45720" rtlCol="0" anchor="ctr">
+            <a:normAutofit/>
+          </a:bodyPr>
+          <a:lstStyle/>
+          <a:p>
+            <a:pPr algn="ctr"/>
+            <a:r>
+              <a:rPr lang="en-US" sz="6600"/>
+              <a:t>Final: Map Comparison</a:t>
+            </a:r>
+          </a:p>
+        </p:txBody>
+      </p:sp>
+      <p:sp>
+        <p:nvSpPr>
+          <p:cNvPr id="24" name="sketch line">
+            <a:extLst>
+              <a:ext uri="{FF2B5EF4-FFF2-40B4-BE49-F238E27FC236}">
+                <a16:creationId xmlns:a16="http://schemas.microsoft.com/office/drawing/2014/main" id="{D6A9C53F-5F90-40A5-8C85-5412D39C8C68}"/>
+              </a:ext>
+              <a:ext uri="{C183D7F6-B498-43B3-948B-1728B52AA6E4}">
+                <adec:decorative xmlns:adec="http://schemas.microsoft.com/office/drawing/2017/decorative" val="1"/>
+              </a:ext>
+            </a:extLst>
+          </p:cNvPr>
+          <p:cNvSpPr>
+            <a:spLocks noGrp="1" noRot="1" noChangeAspect="1" noMove="1" noResize="1" noEditPoints="1" noAdjustHandles="1" noChangeArrowheads="1" noChangeShapeType="1" noTextEdit="1"/>
+          </p:cNvSpPr>
+          <p:nvPr>
+            <p:extLst>
+              <p:ext uri="{386F3935-93C4-4BCD-93E2-E3B085C9AB24}">
+                <p16:designElem xmlns:p16="http://schemas.microsoft.com/office/powerpoint/2015/main" val="1"/>
+              </p:ext>
+            </p:extLst>
+          </p:nvPr>
+        </p:nvSpPr>
+        <p:spPr>
+          <a:xfrm>
+            <a:off x="4450080" y="1850683"/>
+            <a:ext cx="3291840" cy="18288"/>
+          </a:xfrm>
+          <a:custGeom>
+            <a:avLst/>
+            <a:gdLst>
+              <a:gd name="connsiteX0" fmla="*/ 0 w 3291840"/>
+              <a:gd name="connsiteY0" fmla="*/ 0 h 18288"/>
+              <a:gd name="connsiteX1" fmla="*/ 658368 w 3291840"/>
+              <a:gd name="connsiteY1" fmla="*/ 0 h 18288"/>
+              <a:gd name="connsiteX2" fmla="*/ 1283818 w 3291840"/>
+              <a:gd name="connsiteY2" fmla="*/ 0 h 18288"/>
+              <a:gd name="connsiteX3" fmla="*/ 1909267 w 3291840"/>
+              <a:gd name="connsiteY3" fmla="*/ 0 h 18288"/>
+              <a:gd name="connsiteX4" fmla="*/ 2633472 w 3291840"/>
+              <a:gd name="connsiteY4" fmla="*/ 0 h 18288"/>
+              <a:gd name="connsiteX5" fmla="*/ 3291840 w 3291840"/>
+              <a:gd name="connsiteY5" fmla="*/ 0 h 18288"/>
+              <a:gd name="connsiteX6" fmla="*/ 3291840 w 3291840"/>
+              <a:gd name="connsiteY6" fmla="*/ 18288 h 18288"/>
+              <a:gd name="connsiteX7" fmla="*/ 2633472 w 3291840"/>
+              <a:gd name="connsiteY7" fmla="*/ 18288 h 18288"/>
+              <a:gd name="connsiteX8" fmla="*/ 2073859 w 3291840"/>
+              <a:gd name="connsiteY8" fmla="*/ 18288 h 18288"/>
+              <a:gd name="connsiteX9" fmla="*/ 1448410 w 3291840"/>
+              <a:gd name="connsiteY9" fmla="*/ 18288 h 18288"/>
+              <a:gd name="connsiteX10" fmla="*/ 822960 w 3291840"/>
+              <a:gd name="connsiteY10" fmla="*/ 18288 h 18288"/>
+              <a:gd name="connsiteX11" fmla="*/ 0 w 3291840"/>
+              <a:gd name="connsiteY11" fmla="*/ 18288 h 18288"/>
+              <a:gd name="connsiteX12" fmla="*/ 0 w 3291840"/>
+              <a:gd name="connsiteY12" fmla="*/ 0 h 18288"/>
+            </a:gdLst>
+            <a:ahLst/>
+            <a:cxnLst>
+              <a:cxn ang="0">
+                <a:pos x="connsiteX0" y="connsiteY0"/>
+              </a:cxn>
+              <a:cxn ang="0">
+                <a:pos x="connsiteX1" y="connsiteY1"/>
+              </a:cxn>
+              <a:cxn ang="0">
+                <a:pos x="connsiteX2" y="connsiteY2"/>
+              </a:cxn>
+              <a:cxn ang="0">
+                <a:pos x="connsiteX3" y="connsiteY3"/>
+              </a:cxn>
+              <a:cxn ang="0">
+                <a:pos x="connsiteX4" y="connsiteY4"/>
+              </a:cxn>
+              <a:cxn ang="0">
+                <a:pos x="connsiteX5" y="connsiteY5"/>
+              </a:cxn>
+              <a:cxn ang="0">
+                <a:pos x="connsiteX6" y="connsiteY6"/>
+              </a:cxn>
+              <a:cxn ang="0">
+                <a:pos x="connsiteX7" y="connsiteY7"/>
+              </a:cxn>
+              <a:cxn ang="0">
+                <a:pos x="connsiteX8" y="connsiteY8"/>
+              </a:cxn>
+              <a:cxn ang="0">
+                <a:pos x="connsiteX9" y="connsiteY9"/>
+              </a:cxn>
+              <a:cxn ang="0">
+                <a:pos x="connsiteX10" y="connsiteY10"/>
+              </a:cxn>
+              <a:cxn ang="0">
+                <a:pos x="connsiteX11" y="connsiteY11"/>
+              </a:cxn>
+              <a:cxn ang="0">
+                <a:pos x="connsiteX12" y="connsiteY12"/>
+              </a:cxn>
+            </a:cxnLst>
+            <a:rect l="l" t="t" r="r" b="b"/>
+            <a:pathLst>
+              <a:path w="3291840" h="18288" fill="none" extrusionOk="0">
+                <a:moveTo>
+                  <a:pt x="0" y="0"/>
+                </a:moveTo>
+                <a:cubicBezTo>
+                  <a:pt x="173077" y="-20031"/>
+                  <a:pt x="443104" y="6424"/>
+                  <a:pt x="658368" y="0"/>
+                </a:cubicBezTo>
+                <a:cubicBezTo>
+                  <a:pt x="873632" y="-6424"/>
+                  <a:pt x="1034028" y="11764"/>
+                  <a:pt x="1283818" y="0"/>
+                </a:cubicBezTo>
+                <a:cubicBezTo>
+                  <a:pt x="1533608" y="-11764"/>
+                  <a:pt x="1691227" y="-30112"/>
+                  <a:pt x="1909267" y="0"/>
+                </a:cubicBezTo>
+                <a:cubicBezTo>
+                  <a:pt x="2127307" y="30112"/>
+                  <a:pt x="2272465" y="-18735"/>
+                  <a:pt x="2633472" y="0"/>
+                </a:cubicBezTo>
+                <a:cubicBezTo>
+                  <a:pt x="2994479" y="18735"/>
+                  <a:pt x="3023324" y="-32030"/>
+                  <a:pt x="3291840" y="0"/>
+                </a:cubicBezTo>
+                <a:cubicBezTo>
+                  <a:pt x="3291406" y="7551"/>
+                  <a:pt x="3291373" y="9822"/>
+                  <a:pt x="3291840" y="18288"/>
+                </a:cubicBezTo>
+                <a:cubicBezTo>
+                  <a:pt x="3048445" y="38989"/>
+                  <a:pt x="2846548" y="-14400"/>
+                  <a:pt x="2633472" y="18288"/>
+                </a:cubicBezTo>
+                <a:cubicBezTo>
+                  <a:pt x="2420396" y="50976"/>
+                  <a:pt x="2304099" y="6336"/>
+                  <a:pt x="2073859" y="18288"/>
+                </a:cubicBezTo>
+                <a:cubicBezTo>
+                  <a:pt x="1843619" y="30240"/>
+                  <a:pt x="1706926" y="10778"/>
+                  <a:pt x="1448410" y="18288"/>
+                </a:cubicBezTo>
+                <a:cubicBezTo>
+                  <a:pt x="1189894" y="25798"/>
+                  <a:pt x="1002278" y="8992"/>
+                  <a:pt x="822960" y="18288"/>
+                </a:cubicBezTo>
+                <a:cubicBezTo>
+                  <a:pt x="643642" y="27585"/>
+                  <a:pt x="307039" y="38051"/>
+                  <a:pt x="0" y="18288"/>
+                </a:cubicBezTo>
+                <a:cubicBezTo>
+                  <a:pt x="60" y="11696"/>
+                  <a:pt x="66" y="3758"/>
+                  <a:pt x="0" y="0"/>
+                </a:cubicBezTo>
+                <a:close/>
+              </a:path>
+              <a:path w="3291840" h="18288" stroke="0" extrusionOk="0">
+                <a:moveTo>
+                  <a:pt x="0" y="0"/>
+                </a:moveTo>
+                <a:cubicBezTo>
+                  <a:pt x="195850" y="28018"/>
+                  <a:pt x="434891" y="17390"/>
+                  <a:pt x="592531" y="0"/>
+                </a:cubicBezTo>
+                <a:cubicBezTo>
+                  <a:pt x="750171" y="-17390"/>
+                  <a:pt x="1018709" y="32200"/>
+                  <a:pt x="1316736" y="0"/>
+                </a:cubicBezTo>
+                <a:cubicBezTo>
+                  <a:pt x="1614763" y="-32200"/>
+                  <a:pt x="1696480" y="-11367"/>
+                  <a:pt x="1876349" y="0"/>
+                </a:cubicBezTo>
+                <a:cubicBezTo>
+                  <a:pt x="2056218" y="11367"/>
+                  <a:pt x="2193364" y="13433"/>
+                  <a:pt x="2435962" y="0"/>
+                </a:cubicBezTo>
+                <a:cubicBezTo>
+                  <a:pt x="2678560" y="-13433"/>
+                  <a:pt x="3010901" y="-42367"/>
+                  <a:pt x="3291840" y="0"/>
+                </a:cubicBezTo>
+                <a:cubicBezTo>
+                  <a:pt x="3291758" y="4406"/>
+                  <a:pt x="3291751" y="9982"/>
+                  <a:pt x="3291840" y="18288"/>
+                </a:cubicBezTo>
+                <a:cubicBezTo>
+                  <a:pt x="3108993" y="14228"/>
+                  <a:pt x="2952658" y="46900"/>
+                  <a:pt x="2666390" y="18288"/>
+                </a:cubicBezTo>
+                <a:cubicBezTo>
+                  <a:pt x="2380122" y="-10324"/>
+                  <a:pt x="2263855" y="41055"/>
+                  <a:pt x="2040941" y="18288"/>
+                </a:cubicBezTo>
+                <a:cubicBezTo>
+                  <a:pt x="1818027" y="-4479"/>
+                  <a:pt x="1675097" y="6509"/>
+                  <a:pt x="1415491" y="18288"/>
+                </a:cubicBezTo>
+                <a:cubicBezTo>
+                  <a:pt x="1155885" y="30068"/>
+                  <a:pt x="852976" y="36210"/>
+                  <a:pt x="691286" y="18288"/>
+                </a:cubicBezTo>
+                <a:cubicBezTo>
+                  <a:pt x="529596" y="366"/>
+                  <a:pt x="187183" y="13912"/>
+                  <a:pt x="0" y="18288"/>
+                </a:cubicBezTo>
+                <a:cubicBezTo>
+                  <a:pt x="189" y="14288"/>
+                  <a:pt x="-703" y="3747"/>
+                  <a:pt x="0" y="0"/>
+                </a:cubicBezTo>
+                <a:close/>
+              </a:path>
+            </a:pathLst>
+          </a:custGeom>
+          <a:solidFill>
+            <a:schemeClr val="accent2"/>
+          </a:solidFill>
+          <a:ln w="41275" cap="rnd">
+            <a:solidFill>
+              <a:schemeClr val="accent2"/>
+            </a:solidFill>
+            <a:round/>
+            <a:extLst>
+              <a:ext uri="{C807C97D-BFC1-408E-A445-0C87EB9F89A2}">
+                <ask:lineSketchStyleProps xmlns:ask="http://schemas.microsoft.com/office/drawing/2018/sketchyshapes" sd="2863741219">
+                  <a:prstGeom prst="rect">
+                    <a:avLst/>
+                  </a:prstGeom>
+                  <ask:type>
+                    <ask:lineSketchFreehand/>
+                  </ask:type>
+                </ask:lineSketchStyleProps>
+              </a:ext>
+            </a:extLst>
+          </a:ln>
+        </p:spPr>
+        <p:style>
+          <a:lnRef idx="2">
+            <a:schemeClr val="accent1">
+              <a:shade val="50000"/>
+            </a:schemeClr>
+          </a:lnRef>
+          <a:fillRef idx="1">
+            <a:schemeClr val="accent1"/>
+          </a:fillRef>
+          <a:effectRef idx="0">
+            <a:schemeClr val="accent1"/>
+          </a:effectRef>
+          <a:fontRef idx="minor">
+            <a:schemeClr val="lt1"/>
+          </a:fontRef>
+        </p:style>
+        <p:txBody>
+          <a:bodyPr rtlCol="0" anchor="ctr"/>
+          <a:lstStyle/>
+          <a:p>
+            <a:pPr algn="ctr"/>
+            <a:endParaRPr lang="en-US"/>
+          </a:p>
+        </p:txBody>
+      </p:sp>
+      <p:pic>
+        <p:nvPicPr>
+          <p:cNvPr id="7" name="Picture 6">
+            <a:extLst>
+              <a:ext uri="{FF2B5EF4-FFF2-40B4-BE49-F238E27FC236}">
+                <a16:creationId xmlns:a16="http://schemas.microsoft.com/office/drawing/2014/main" id="{4CBF2D84-33A6-A8E7-1AB4-A769BAFE2FFE}"/>
+              </a:ext>
+            </a:extLst>
+          </p:cNvPr>
+          <p:cNvPicPr>
+            <a:picLocks noChangeAspect="1"/>
+          </p:cNvPicPr>
+          <p:nvPr/>
+        </p:nvPicPr>
+        <p:blipFill rotWithShape="1">
+          <a:blip r:embed="rId2">
+            <a:extLst>
+              <a:ext uri="{28A0092B-C50C-407E-A947-70E740481C1C}">
+                <a14:useLocalDpi xmlns:a14="http://schemas.microsoft.com/office/drawing/2010/main" val="0"/>
+              </a:ext>
+            </a:extLst>
+          </a:blip>
+          <a:srcRect l="20629" t="10260" r="18974" b="11401"/>
+          <a:stretch/>
+        </p:blipFill>
+        <p:spPr>
+          <a:xfrm>
+            <a:off x="347298" y="2642616"/>
+            <a:ext cx="5559901" cy="3605784"/>
+          </a:xfrm>
+          <a:prstGeom prst="rect">
+            <a:avLst/>
+          </a:prstGeom>
+        </p:spPr>
+      </p:pic>
+      <p:pic>
+        <p:nvPicPr>
+          <p:cNvPr id="5" name="Picture 4">
+            <a:extLst>
+              <a:ext uri="{FF2B5EF4-FFF2-40B4-BE49-F238E27FC236}">
+                <a16:creationId xmlns:a16="http://schemas.microsoft.com/office/drawing/2014/main" id="{3EFA5DB3-DDBD-FA0A-4A5E-986A54EE65DF}"/>
+              </a:ext>
+            </a:extLst>
+          </p:cNvPr>
+          <p:cNvPicPr>
+            <a:picLocks noChangeAspect="1"/>
+          </p:cNvPicPr>
+          <p:nvPr/>
+        </p:nvPicPr>
+        <p:blipFill rotWithShape="1">
+          <a:blip r:embed="rId3">
+            <a:extLst>
+              <a:ext uri="{28A0092B-C50C-407E-A947-70E740481C1C}">
+                <a14:useLocalDpi xmlns:a14="http://schemas.microsoft.com/office/drawing/2010/main" val="0"/>
+              </a:ext>
+            </a:extLst>
+          </a:blip>
+          <a:srcRect l="22014" t="12215" r="17590" b="13355"/>
+          <a:stretch/>
+        </p:blipFill>
+        <p:spPr>
+          <a:xfrm>
+            <a:off x="6254496" y="2715753"/>
+            <a:ext cx="5614416" cy="3459509"/>
+          </a:xfrm>
+          <a:prstGeom prst="rect">
+            <a:avLst/>
+          </a:prstGeom>
+        </p:spPr>
+      </p:pic>
+      <p:sp>
+        <p:nvSpPr>
+          <p:cNvPr id="8" name="TextBox 7">
+            <a:extLst>
+              <a:ext uri="{FF2B5EF4-FFF2-40B4-BE49-F238E27FC236}">
+                <a16:creationId xmlns:a16="http://schemas.microsoft.com/office/drawing/2014/main" id="{5A51E7B8-E2BA-E600-9FD4-5D945C298D60}"/>
+              </a:ext>
+            </a:extLst>
+          </p:cNvPr>
+          <p:cNvSpPr txBox="1"/>
+          <p:nvPr/>
+        </p:nvSpPr>
+        <p:spPr>
+          <a:xfrm>
+            <a:off x="741013" y="2276293"/>
+            <a:ext cx="3916680" cy="646331"/>
+          </a:xfrm>
+          <a:prstGeom prst="rect">
+            <a:avLst/>
+          </a:prstGeom>
+          <a:noFill/>
+        </p:spPr>
+        <p:txBody>
+          <a:bodyPr wrap="square" rtlCol="0">
+            <a:spAutoFit/>
+          </a:bodyPr>
+          <a:lstStyle/>
+          <a:p>
+            <a:pPr algn="ctr"/>
+            <a:r>
+              <a:rPr lang="en-US" sz="3600" dirty="0"/>
+              <a:t>Rook</a:t>
+            </a:r>
+          </a:p>
+        </p:txBody>
+      </p:sp>
+      <p:sp>
+        <p:nvSpPr>
+          <p:cNvPr id="9" name="TextBox 8">
+            <a:extLst>
+              <a:ext uri="{FF2B5EF4-FFF2-40B4-BE49-F238E27FC236}">
+                <a16:creationId xmlns:a16="http://schemas.microsoft.com/office/drawing/2014/main" id="{E362F6E3-93D5-017E-673C-C7D53ED93813}"/>
+              </a:ext>
+            </a:extLst>
+          </p:cNvPr>
+          <p:cNvSpPr txBox="1"/>
+          <p:nvPr/>
+        </p:nvSpPr>
+        <p:spPr>
+          <a:xfrm>
+            <a:off x="7031885" y="2276292"/>
+            <a:ext cx="3916680" cy="646331"/>
+          </a:xfrm>
+          <a:prstGeom prst="rect">
+            <a:avLst/>
+          </a:prstGeom>
+          <a:noFill/>
+        </p:spPr>
+        <p:txBody>
+          <a:bodyPr wrap="square" rtlCol="0">
+            <a:spAutoFit/>
+          </a:bodyPr>
+          <a:lstStyle/>
+          <a:p>
+            <a:pPr algn="ctr"/>
+            <a:r>
+              <a:rPr lang="en-US" sz="3600" dirty="0"/>
+              <a:t>Queen</a:t>
+            </a:r>
+          </a:p>
+        </p:txBody>
+      </p:sp>
+    </p:spTree>
+    <p:extLst>
+      <p:ext uri="{BB962C8B-B14F-4D97-AF65-F5344CB8AC3E}">
+        <p14:creationId xmlns:p14="http://schemas.microsoft.com/office/powerpoint/2010/main" val="947588917"/>
+      </p:ext>
+    </p:extLst>
+  </p:cSld>
+  <p:clrMapOvr>
+    <a:masterClrMapping/>
+  </p:clrMapOvr>
+</p:sld>
+</file>
+
+<file path=ppt/slides/slide9.xml><?xml version="1.0" encoding="utf-8"?>
 <p:sld xmlns:a="http://schemas.openxmlformats.org/drawingml/2006/main" xmlns:r="http://schemas.openxmlformats.org/officeDocument/2006/relationships" xmlns:p="http://schemas.openxmlformats.org/presentationml/2006/main">
   <p:cSld>
     <p:spTree>
